--- a/DOCUMENTS/PPTX/3.Giới_thiệu_Google_Colab_và_ứng_dụng_AI_trong_viet_ngon_ngu_lap_trinh_R.pptx
+++ b/DOCUMENTS/PPTX/3.Giới_thiệu_Google_Colab_và_ứng_dụng_AI_trong_viet_ngon_ngu_lap_trinh_R.pptx
@@ -18,6 +18,14 @@
     <p:sldId id="263" r:id="rId13"/>
     <p:sldId id="264" r:id="rId14"/>
     <p:sldId id="265" r:id="rId15"/>
+    <p:sldId id="266" r:id="rId16"/>
+    <p:sldId id="267" r:id="rId17"/>
+    <p:sldId id="268" r:id="rId18"/>
+    <p:sldId id="269" r:id="rId19"/>
+    <p:sldId id="270" r:id="rId20"/>
+    <p:sldId id="271" r:id="rId21"/>
+    <p:sldId id="272" r:id="rId22"/>
+    <p:sldId id="273" r:id="rId23"/>
   </p:sldIdLst>
   <p:sldSz cy="6858000" cx="12192000"/>
   <p:notesSz cx="6858000" cy="9144000"/>
@@ -266,7 +274,7 @@
       </p15:sldGuideLst>
     </p:ext>
     <p:ext uri="GoogleSlidesCustomDataVersion2">
-      <go:slidesCustomData xmlns:go="http://customooxmlschemas.google.com/" r:id="rId16" roundtripDataSignature="AMtx7mhV0uBM0phnNxgfBPA1ZKmxX7+nKQ=="/>
+      <go:slidesCustomData xmlns:go="http://customooxmlschemas.google.com/" r:id="rId24" roundtripDataSignature="AMtx7mjOLuMnthEdSoQ9PRiH80XNEnOB4Q=="/>
     </p:ext>
   </p:extLst>
 </p:presentation>
@@ -1544,7 +1552,7 @@
   <p:cSld>
     <p:spTree>
       <p:nvGrpSpPr>
-        <p:cNvPr id="111" name="Shape 111"/>
+        <p:cNvPr id="105" name="Shape 105"/>
         <p:cNvGrpSpPr/>
         <p:nvPr/>
       </p:nvGrpSpPr>
@@ -1558,7 +1566,1151 @@
       </p:grpSpPr>
       <p:sp>
         <p:nvSpPr>
-          <p:cNvPr id="112" name="Google Shape;112;p18:notes"/>
+          <p:cNvPr id="106" name="Google Shape;106;g3b6023e473c_0_33:notes"/>
+          <p:cNvSpPr/>
+          <p:nvPr>
+            <p:ph idx="2" type="sldImg"/>
+          </p:nvPr>
+        </p:nvSpPr>
+        <p:spPr>
+          <a:xfrm>
+            <a:off x="685800" y="1143000"/>
+            <a:ext cx="5486400" cy="3086100"/>
+          </a:xfrm>
+          <a:custGeom>
+            <a:rect b="b" l="l" r="r" t="t"/>
+            <a:pathLst>
+              <a:path extrusionOk="0" h="120000" w="120000">
+                <a:moveTo>
+                  <a:pt x="0" y="0"/>
+                </a:moveTo>
+                <a:lnTo>
+                  <a:pt x="120000" y="0"/>
+                </a:lnTo>
+                <a:lnTo>
+                  <a:pt x="120000" y="120000"/>
+                </a:lnTo>
+                <a:lnTo>
+                  <a:pt x="0" y="120000"/>
+                </a:lnTo>
+                <a:close/>
+              </a:path>
+            </a:pathLst>
+          </a:custGeom>
+        </p:spPr>
+      </p:sp>
+      <p:sp>
+        <p:nvSpPr>
+          <p:cNvPr id="107" name="Google Shape;107;g3b6023e473c_0_33:notes"/>
+          <p:cNvSpPr txBox="1"/>
+          <p:nvPr>
+            <p:ph idx="1" type="body"/>
+          </p:nvPr>
+        </p:nvSpPr>
+        <p:spPr>
+          <a:xfrm>
+            <a:off x="685800" y="4400550"/>
+            <a:ext cx="5486400" cy="3600600"/>
+          </a:xfrm>
+          <a:prstGeom prst="rect">
+            <a:avLst/>
+          </a:prstGeom>
+        </p:spPr>
+        <p:txBody>
+          <a:bodyPr anchorCtr="0" anchor="t" bIns="45700" lIns="91425" spcFirstLastPara="1" rIns="91425" wrap="square" tIns="45700">
+            <a:noAutofit/>
+          </a:bodyPr>
+          <a:lstStyle/>
+          <a:p>
+            <a:pPr indent="0" lvl="0" marL="0" rtl="0" algn="l">
+              <a:spcBef>
+                <a:spcPts val="0"/>
+              </a:spcBef>
+              <a:spcAft>
+                <a:spcPts val="0"/>
+              </a:spcAft>
+              <a:buNone/>
+            </a:pPr>
+            <a:r>
+              <a:t/>
+            </a:r>
+            <a:endParaRPr/>
+          </a:p>
+        </p:txBody>
+      </p:sp>
+      <p:sp>
+        <p:nvSpPr>
+          <p:cNvPr id="108" name="Google Shape;108;g3b6023e473c_0_33:notes"/>
+          <p:cNvSpPr txBox="1"/>
+          <p:nvPr>
+            <p:ph idx="12" type="sldNum"/>
+          </p:nvPr>
+        </p:nvSpPr>
+        <p:spPr>
+          <a:xfrm>
+            <a:off x="3884613" y="8685213"/>
+            <a:ext cx="2971800" cy="458700"/>
+          </a:xfrm>
+          <a:prstGeom prst="rect">
+            <a:avLst/>
+          </a:prstGeom>
+        </p:spPr>
+        <p:txBody>
+          <a:bodyPr anchorCtr="0" anchor="b" bIns="45700" lIns="91425" spcFirstLastPara="1" rIns="91425" wrap="square" tIns="45700">
+            <a:noAutofit/>
+          </a:bodyPr>
+          <a:lstStyle/>
+          <a:p>
+            <a:pPr indent="0" lvl="0" marL="0" rtl="0" algn="r">
+              <a:spcBef>
+                <a:spcPts val="0"/>
+              </a:spcBef>
+              <a:spcAft>
+                <a:spcPts val="0"/>
+              </a:spcAft>
+              <a:buClr>
+                <a:srgbClr val="000000"/>
+              </a:buClr>
+              <a:buFont typeface="Arial"/>
+              <a:buNone/>
+            </a:pPr>
+            <a:fld id="{00000000-1234-1234-1234-123412341234}" type="slidenum">
+              <a:rPr lang="en-US"/>
+              <a:t>‹#›</a:t>
+            </a:fld>
+            <a:endParaRPr/>
+          </a:p>
+        </p:txBody>
+      </p:sp>
+    </p:spTree>
+  </p:cSld>
+  <p:clrMapOvr>
+    <a:masterClrMapping/>
+  </p:clrMapOvr>
+</p:notes>
+</file>
+
+<file path=ppt/notesSlides/notesSlide11.xml><?xml version="1.0" encoding="utf-8"?>
+<p:notes xmlns:a="http://schemas.openxmlformats.org/drawingml/2006/main" xmlns:r="http://schemas.openxmlformats.org/officeDocument/2006/relationships" xmlns:mc="http://schemas.openxmlformats.org/markup-compatibility/2006" xmlns:mv="urn:schemas-microsoft-com:mac:vml" xmlns:p="http://schemas.openxmlformats.org/presentationml/2006/main" xmlns:c="http://schemas.openxmlformats.org/drawingml/2006/chart" xmlns:dgm="http://schemas.openxmlformats.org/drawingml/2006/diagram" xmlns:o="urn:schemas-microsoft-com:office:office" xmlns:v="urn:schemas-microsoft-com:vml" xmlns:pvml="urn:schemas-microsoft-com:office:powerpoint" xmlns:com="http://schemas.openxmlformats.org/drawingml/2006/compatibility" xmlns:p14="http://schemas.microsoft.com/office/powerpoint/2010/main" xmlns:p15="http://schemas.microsoft.com/office/powerpoint/2012/main" xmlns:ahyp="http://schemas.microsoft.com/office/drawing/2018/hyperlinkcolor" showMasterPhAnim="0" showMasterSp="0">
+  <p:cSld>
+    <p:spTree>
+      <p:nvGrpSpPr>
+        <p:cNvPr id="112" name="Shape 112"/>
+        <p:cNvGrpSpPr/>
+        <p:nvPr/>
+      </p:nvGrpSpPr>
+      <p:grpSpPr>
+        <a:xfrm>
+          <a:off x="0" y="0"/>
+          <a:ext cx="0" cy="0"/>
+          <a:chOff x="0" y="0"/>
+          <a:chExt cx="0" cy="0"/>
+        </a:xfrm>
+      </p:grpSpPr>
+      <p:sp>
+        <p:nvSpPr>
+          <p:cNvPr id="113" name="Google Shape;113;g3b6023e473c_0_39:notes"/>
+          <p:cNvSpPr/>
+          <p:nvPr>
+            <p:ph idx="2" type="sldImg"/>
+          </p:nvPr>
+        </p:nvSpPr>
+        <p:spPr>
+          <a:xfrm>
+            <a:off x="685800" y="1143000"/>
+            <a:ext cx="5486400" cy="3086100"/>
+          </a:xfrm>
+          <a:custGeom>
+            <a:rect b="b" l="l" r="r" t="t"/>
+            <a:pathLst>
+              <a:path extrusionOk="0" h="120000" w="120000">
+                <a:moveTo>
+                  <a:pt x="0" y="0"/>
+                </a:moveTo>
+                <a:lnTo>
+                  <a:pt x="120000" y="0"/>
+                </a:lnTo>
+                <a:lnTo>
+                  <a:pt x="120000" y="120000"/>
+                </a:lnTo>
+                <a:lnTo>
+                  <a:pt x="0" y="120000"/>
+                </a:lnTo>
+                <a:close/>
+              </a:path>
+            </a:pathLst>
+          </a:custGeom>
+        </p:spPr>
+      </p:sp>
+      <p:sp>
+        <p:nvSpPr>
+          <p:cNvPr id="114" name="Google Shape;114;g3b6023e473c_0_39:notes"/>
+          <p:cNvSpPr txBox="1"/>
+          <p:nvPr>
+            <p:ph idx="1" type="body"/>
+          </p:nvPr>
+        </p:nvSpPr>
+        <p:spPr>
+          <a:xfrm>
+            <a:off x="685800" y="4400550"/>
+            <a:ext cx="5486400" cy="3600600"/>
+          </a:xfrm>
+          <a:prstGeom prst="rect">
+            <a:avLst/>
+          </a:prstGeom>
+        </p:spPr>
+        <p:txBody>
+          <a:bodyPr anchorCtr="0" anchor="t" bIns="45700" lIns="91425" spcFirstLastPara="1" rIns="91425" wrap="square" tIns="45700">
+            <a:noAutofit/>
+          </a:bodyPr>
+          <a:lstStyle/>
+          <a:p>
+            <a:pPr indent="0" lvl="0" marL="0" rtl="0" algn="l">
+              <a:spcBef>
+                <a:spcPts val="0"/>
+              </a:spcBef>
+              <a:spcAft>
+                <a:spcPts val="0"/>
+              </a:spcAft>
+              <a:buNone/>
+            </a:pPr>
+            <a:r>
+              <a:t/>
+            </a:r>
+            <a:endParaRPr/>
+          </a:p>
+        </p:txBody>
+      </p:sp>
+      <p:sp>
+        <p:nvSpPr>
+          <p:cNvPr id="115" name="Google Shape;115;g3b6023e473c_0_39:notes"/>
+          <p:cNvSpPr txBox="1"/>
+          <p:nvPr>
+            <p:ph idx="12" type="sldNum"/>
+          </p:nvPr>
+        </p:nvSpPr>
+        <p:spPr>
+          <a:xfrm>
+            <a:off x="3884613" y="8685213"/>
+            <a:ext cx="2971800" cy="458700"/>
+          </a:xfrm>
+          <a:prstGeom prst="rect">
+            <a:avLst/>
+          </a:prstGeom>
+        </p:spPr>
+        <p:txBody>
+          <a:bodyPr anchorCtr="0" anchor="b" bIns="45700" lIns="91425" spcFirstLastPara="1" rIns="91425" wrap="square" tIns="45700">
+            <a:noAutofit/>
+          </a:bodyPr>
+          <a:lstStyle/>
+          <a:p>
+            <a:pPr indent="0" lvl="0" marL="0" rtl="0" algn="r">
+              <a:spcBef>
+                <a:spcPts val="0"/>
+              </a:spcBef>
+              <a:spcAft>
+                <a:spcPts val="0"/>
+              </a:spcAft>
+              <a:buClr>
+                <a:srgbClr val="000000"/>
+              </a:buClr>
+              <a:buFont typeface="Arial"/>
+              <a:buNone/>
+            </a:pPr>
+            <a:fld id="{00000000-1234-1234-1234-123412341234}" type="slidenum">
+              <a:rPr lang="en-US"/>
+              <a:t>‹#›</a:t>
+            </a:fld>
+            <a:endParaRPr/>
+          </a:p>
+        </p:txBody>
+      </p:sp>
+    </p:spTree>
+  </p:cSld>
+  <p:clrMapOvr>
+    <a:masterClrMapping/>
+  </p:clrMapOvr>
+</p:notes>
+</file>
+
+<file path=ppt/notesSlides/notesSlide12.xml><?xml version="1.0" encoding="utf-8"?>
+<p:notes xmlns:a="http://schemas.openxmlformats.org/drawingml/2006/main" xmlns:r="http://schemas.openxmlformats.org/officeDocument/2006/relationships" xmlns:mc="http://schemas.openxmlformats.org/markup-compatibility/2006" xmlns:mv="urn:schemas-microsoft-com:mac:vml" xmlns:p="http://schemas.openxmlformats.org/presentationml/2006/main" xmlns:c="http://schemas.openxmlformats.org/drawingml/2006/chart" xmlns:dgm="http://schemas.openxmlformats.org/drawingml/2006/diagram" xmlns:o="urn:schemas-microsoft-com:office:office" xmlns:v="urn:schemas-microsoft-com:vml" xmlns:pvml="urn:schemas-microsoft-com:office:powerpoint" xmlns:com="http://schemas.openxmlformats.org/drawingml/2006/compatibility" xmlns:p14="http://schemas.microsoft.com/office/powerpoint/2010/main" xmlns:p15="http://schemas.microsoft.com/office/powerpoint/2012/main" xmlns:ahyp="http://schemas.microsoft.com/office/drawing/2018/hyperlinkcolor" showMasterPhAnim="0" showMasterSp="0">
+  <p:cSld>
+    <p:spTree>
+      <p:nvGrpSpPr>
+        <p:cNvPr id="119" name="Shape 119"/>
+        <p:cNvGrpSpPr/>
+        <p:nvPr/>
+      </p:nvGrpSpPr>
+      <p:grpSpPr>
+        <a:xfrm>
+          <a:off x="0" y="0"/>
+          <a:ext cx="0" cy="0"/>
+          <a:chOff x="0" y="0"/>
+          <a:chExt cx="0" cy="0"/>
+        </a:xfrm>
+      </p:grpSpPr>
+      <p:sp>
+        <p:nvSpPr>
+          <p:cNvPr id="120" name="Google Shape;120;g3b6023e473c_0_45:notes"/>
+          <p:cNvSpPr/>
+          <p:nvPr>
+            <p:ph idx="2" type="sldImg"/>
+          </p:nvPr>
+        </p:nvSpPr>
+        <p:spPr>
+          <a:xfrm>
+            <a:off x="685800" y="1143000"/>
+            <a:ext cx="5486400" cy="3086100"/>
+          </a:xfrm>
+          <a:custGeom>
+            <a:rect b="b" l="l" r="r" t="t"/>
+            <a:pathLst>
+              <a:path extrusionOk="0" h="120000" w="120000">
+                <a:moveTo>
+                  <a:pt x="0" y="0"/>
+                </a:moveTo>
+                <a:lnTo>
+                  <a:pt x="120000" y="0"/>
+                </a:lnTo>
+                <a:lnTo>
+                  <a:pt x="120000" y="120000"/>
+                </a:lnTo>
+                <a:lnTo>
+                  <a:pt x="0" y="120000"/>
+                </a:lnTo>
+                <a:close/>
+              </a:path>
+            </a:pathLst>
+          </a:custGeom>
+        </p:spPr>
+      </p:sp>
+      <p:sp>
+        <p:nvSpPr>
+          <p:cNvPr id="121" name="Google Shape;121;g3b6023e473c_0_45:notes"/>
+          <p:cNvSpPr txBox="1"/>
+          <p:nvPr>
+            <p:ph idx="1" type="body"/>
+          </p:nvPr>
+        </p:nvSpPr>
+        <p:spPr>
+          <a:xfrm>
+            <a:off x="685800" y="4400550"/>
+            <a:ext cx="5486400" cy="3600600"/>
+          </a:xfrm>
+          <a:prstGeom prst="rect">
+            <a:avLst/>
+          </a:prstGeom>
+        </p:spPr>
+        <p:txBody>
+          <a:bodyPr anchorCtr="0" anchor="t" bIns="45700" lIns="91425" spcFirstLastPara="1" rIns="91425" wrap="square" tIns="45700">
+            <a:noAutofit/>
+          </a:bodyPr>
+          <a:lstStyle/>
+          <a:p>
+            <a:pPr indent="0" lvl="0" marL="0" rtl="0" algn="l">
+              <a:spcBef>
+                <a:spcPts val="0"/>
+              </a:spcBef>
+              <a:spcAft>
+                <a:spcPts val="0"/>
+              </a:spcAft>
+              <a:buNone/>
+            </a:pPr>
+            <a:r>
+              <a:t/>
+            </a:r>
+            <a:endParaRPr/>
+          </a:p>
+        </p:txBody>
+      </p:sp>
+      <p:sp>
+        <p:nvSpPr>
+          <p:cNvPr id="122" name="Google Shape;122;g3b6023e473c_0_45:notes"/>
+          <p:cNvSpPr txBox="1"/>
+          <p:nvPr>
+            <p:ph idx="12" type="sldNum"/>
+          </p:nvPr>
+        </p:nvSpPr>
+        <p:spPr>
+          <a:xfrm>
+            <a:off x="3884613" y="8685213"/>
+            <a:ext cx="2971800" cy="458700"/>
+          </a:xfrm>
+          <a:prstGeom prst="rect">
+            <a:avLst/>
+          </a:prstGeom>
+        </p:spPr>
+        <p:txBody>
+          <a:bodyPr anchorCtr="0" anchor="b" bIns="45700" lIns="91425" spcFirstLastPara="1" rIns="91425" wrap="square" tIns="45700">
+            <a:noAutofit/>
+          </a:bodyPr>
+          <a:lstStyle/>
+          <a:p>
+            <a:pPr indent="0" lvl="0" marL="0" rtl="0" algn="r">
+              <a:spcBef>
+                <a:spcPts val="0"/>
+              </a:spcBef>
+              <a:spcAft>
+                <a:spcPts val="0"/>
+              </a:spcAft>
+              <a:buClr>
+                <a:srgbClr val="000000"/>
+              </a:buClr>
+              <a:buFont typeface="Arial"/>
+              <a:buNone/>
+            </a:pPr>
+            <a:fld id="{00000000-1234-1234-1234-123412341234}" type="slidenum">
+              <a:rPr lang="en-US"/>
+              <a:t>‹#›</a:t>
+            </a:fld>
+            <a:endParaRPr/>
+          </a:p>
+        </p:txBody>
+      </p:sp>
+    </p:spTree>
+  </p:cSld>
+  <p:clrMapOvr>
+    <a:masterClrMapping/>
+  </p:clrMapOvr>
+</p:notes>
+</file>
+
+<file path=ppt/notesSlides/notesSlide13.xml><?xml version="1.0" encoding="utf-8"?>
+<p:notes xmlns:a="http://schemas.openxmlformats.org/drawingml/2006/main" xmlns:r="http://schemas.openxmlformats.org/officeDocument/2006/relationships" xmlns:mc="http://schemas.openxmlformats.org/markup-compatibility/2006" xmlns:mv="urn:schemas-microsoft-com:mac:vml" xmlns:p="http://schemas.openxmlformats.org/presentationml/2006/main" xmlns:c="http://schemas.openxmlformats.org/drawingml/2006/chart" xmlns:dgm="http://schemas.openxmlformats.org/drawingml/2006/diagram" xmlns:o="urn:schemas-microsoft-com:office:office" xmlns:v="urn:schemas-microsoft-com:vml" xmlns:pvml="urn:schemas-microsoft-com:office:powerpoint" xmlns:com="http://schemas.openxmlformats.org/drawingml/2006/compatibility" xmlns:p14="http://schemas.microsoft.com/office/powerpoint/2010/main" xmlns:p15="http://schemas.microsoft.com/office/powerpoint/2012/main" xmlns:ahyp="http://schemas.microsoft.com/office/drawing/2018/hyperlinkcolor" showMasterPhAnim="0" showMasterSp="0">
+  <p:cSld>
+    <p:spTree>
+      <p:nvGrpSpPr>
+        <p:cNvPr id="126" name="Shape 126"/>
+        <p:cNvGrpSpPr/>
+        <p:nvPr/>
+      </p:nvGrpSpPr>
+      <p:grpSpPr>
+        <a:xfrm>
+          <a:off x="0" y="0"/>
+          <a:ext cx="0" cy="0"/>
+          <a:chOff x="0" y="0"/>
+          <a:chExt cx="0" cy="0"/>
+        </a:xfrm>
+      </p:grpSpPr>
+      <p:sp>
+        <p:nvSpPr>
+          <p:cNvPr id="127" name="Google Shape;127;g3b6023e473c_0_51:notes"/>
+          <p:cNvSpPr/>
+          <p:nvPr>
+            <p:ph idx="2" type="sldImg"/>
+          </p:nvPr>
+        </p:nvSpPr>
+        <p:spPr>
+          <a:xfrm>
+            <a:off x="685800" y="1143000"/>
+            <a:ext cx="5486400" cy="3086100"/>
+          </a:xfrm>
+          <a:custGeom>
+            <a:rect b="b" l="l" r="r" t="t"/>
+            <a:pathLst>
+              <a:path extrusionOk="0" h="120000" w="120000">
+                <a:moveTo>
+                  <a:pt x="0" y="0"/>
+                </a:moveTo>
+                <a:lnTo>
+                  <a:pt x="120000" y="0"/>
+                </a:lnTo>
+                <a:lnTo>
+                  <a:pt x="120000" y="120000"/>
+                </a:lnTo>
+                <a:lnTo>
+                  <a:pt x="0" y="120000"/>
+                </a:lnTo>
+                <a:close/>
+              </a:path>
+            </a:pathLst>
+          </a:custGeom>
+        </p:spPr>
+      </p:sp>
+      <p:sp>
+        <p:nvSpPr>
+          <p:cNvPr id="128" name="Google Shape;128;g3b6023e473c_0_51:notes"/>
+          <p:cNvSpPr txBox="1"/>
+          <p:nvPr>
+            <p:ph idx="1" type="body"/>
+          </p:nvPr>
+        </p:nvSpPr>
+        <p:spPr>
+          <a:xfrm>
+            <a:off x="685800" y="4400550"/>
+            <a:ext cx="5486400" cy="3600600"/>
+          </a:xfrm>
+          <a:prstGeom prst="rect">
+            <a:avLst/>
+          </a:prstGeom>
+        </p:spPr>
+        <p:txBody>
+          <a:bodyPr anchorCtr="0" anchor="t" bIns="45700" lIns="91425" spcFirstLastPara="1" rIns="91425" wrap="square" tIns="45700">
+            <a:noAutofit/>
+          </a:bodyPr>
+          <a:lstStyle/>
+          <a:p>
+            <a:pPr indent="0" lvl="0" marL="0" rtl="0" algn="l">
+              <a:spcBef>
+                <a:spcPts val="0"/>
+              </a:spcBef>
+              <a:spcAft>
+                <a:spcPts val="0"/>
+              </a:spcAft>
+              <a:buNone/>
+            </a:pPr>
+            <a:r>
+              <a:t/>
+            </a:r>
+            <a:endParaRPr/>
+          </a:p>
+        </p:txBody>
+      </p:sp>
+      <p:sp>
+        <p:nvSpPr>
+          <p:cNvPr id="129" name="Google Shape;129;g3b6023e473c_0_51:notes"/>
+          <p:cNvSpPr txBox="1"/>
+          <p:nvPr>
+            <p:ph idx="12" type="sldNum"/>
+          </p:nvPr>
+        </p:nvSpPr>
+        <p:spPr>
+          <a:xfrm>
+            <a:off x="3884613" y="8685213"/>
+            <a:ext cx="2971800" cy="458700"/>
+          </a:xfrm>
+          <a:prstGeom prst="rect">
+            <a:avLst/>
+          </a:prstGeom>
+        </p:spPr>
+        <p:txBody>
+          <a:bodyPr anchorCtr="0" anchor="b" bIns="45700" lIns="91425" spcFirstLastPara="1" rIns="91425" wrap="square" tIns="45700">
+            <a:noAutofit/>
+          </a:bodyPr>
+          <a:lstStyle/>
+          <a:p>
+            <a:pPr indent="0" lvl="0" marL="0" rtl="0" algn="r">
+              <a:spcBef>
+                <a:spcPts val="0"/>
+              </a:spcBef>
+              <a:spcAft>
+                <a:spcPts val="0"/>
+              </a:spcAft>
+              <a:buClr>
+                <a:srgbClr val="000000"/>
+              </a:buClr>
+              <a:buFont typeface="Arial"/>
+              <a:buNone/>
+            </a:pPr>
+            <a:fld id="{00000000-1234-1234-1234-123412341234}" type="slidenum">
+              <a:rPr lang="en-US"/>
+              <a:t>‹#›</a:t>
+            </a:fld>
+            <a:endParaRPr/>
+          </a:p>
+        </p:txBody>
+      </p:sp>
+    </p:spTree>
+  </p:cSld>
+  <p:clrMapOvr>
+    <a:masterClrMapping/>
+  </p:clrMapOvr>
+</p:notes>
+</file>
+
+<file path=ppt/notesSlides/notesSlide14.xml><?xml version="1.0" encoding="utf-8"?>
+<p:notes xmlns:a="http://schemas.openxmlformats.org/drawingml/2006/main" xmlns:r="http://schemas.openxmlformats.org/officeDocument/2006/relationships" xmlns:mc="http://schemas.openxmlformats.org/markup-compatibility/2006" xmlns:mv="urn:schemas-microsoft-com:mac:vml" xmlns:p="http://schemas.openxmlformats.org/presentationml/2006/main" xmlns:c="http://schemas.openxmlformats.org/drawingml/2006/chart" xmlns:dgm="http://schemas.openxmlformats.org/drawingml/2006/diagram" xmlns:o="urn:schemas-microsoft-com:office:office" xmlns:v="urn:schemas-microsoft-com:vml" xmlns:pvml="urn:schemas-microsoft-com:office:powerpoint" xmlns:com="http://schemas.openxmlformats.org/drawingml/2006/compatibility" xmlns:p14="http://schemas.microsoft.com/office/powerpoint/2010/main" xmlns:p15="http://schemas.microsoft.com/office/powerpoint/2012/main" xmlns:ahyp="http://schemas.microsoft.com/office/drawing/2018/hyperlinkcolor" showMasterPhAnim="0" showMasterSp="0">
+  <p:cSld>
+    <p:spTree>
+      <p:nvGrpSpPr>
+        <p:cNvPr id="133" name="Shape 133"/>
+        <p:cNvGrpSpPr/>
+        <p:nvPr/>
+      </p:nvGrpSpPr>
+      <p:grpSpPr>
+        <a:xfrm>
+          <a:off x="0" y="0"/>
+          <a:ext cx="0" cy="0"/>
+          <a:chOff x="0" y="0"/>
+          <a:chExt cx="0" cy="0"/>
+        </a:xfrm>
+      </p:grpSpPr>
+      <p:sp>
+        <p:nvSpPr>
+          <p:cNvPr id="134" name="Google Shape;134;g3b6023e473c_0_57:notes"/>
+          <p:cNvSpPr/>
+          <p:nvPr>
+            <p:ph idx="2" type="sldImg"/>
+          </p:nvPr>
+        </p:nvSpPr>
+        <p:spPr>
+          <a:xfrm>
+            <a:off x="685800" y="1143000"/>
+            <a:ext cx="5486400" cy="3086100"/>
+          </a:xfrm>
+          <a:custGeom>
+            <a:rect b="b" l="l" r="r" t="t"/>
+            <a:pathLst>
+              <a:path extrusionOk="0" h="120000" w="120000">
+                <a:moveTo>
+                  <a:pt x="0" y="0"/>
+                </a:moveTo>
+                <a:lnTo>
+                  <a:pt x="120000" y="0"/>
+                </a:lnTo>
+                <a:lnTo>
+                  <a:pt x="120000" y="120000"/>
+                </a:lnTo>
+                <a:lnTo>
+                  <a:pt x="0" y="120000"/>
+                </a:lnTo>
+                <a:close/>
+              </a:path>
+            </a:pathLst>
+          </a:custGeom>
+        </p:spPr>
+      </p:sp>
+      <p:sp>
+        <p:nvSpPr>
+          <p:cNvPr id="135" name="Google Shape;135;g3b6023e473c_0_57:notes"/>
+          <p:cNvSpPr txBox="1"/>
+          <p:nvPr>
+            <p:ph idx="1" type="body"/>
+          </p:nvPr>
+        </p:nvSpPr>
+        <p:spPr>
+          <a:xfrm>
+            <a:off x="685800" y="4400550"/>
+            <a:ext cx="5486400" cy="3600600"/>
+          </a:xfrm>
+          <a:prstGeom prst="rect">
+            <a:avLst/>
+          </a:prstGeom>
+        </p:spPr>
+        <p:txBody>
+          <a:bodyPr anchorCtr="0" anchor="t" bIns="45700" lIns="91425" spcFirstLastPara="1" rIns="91425" wrap="square" tIns="45700">
+            <a:noAutofit/>
+          </a:bodyPr>
+          <a:lstStyle/>
+          <a:p>
+            <a:pPr indent="0" lvl="0" marL="0" rtl="0" algn="l">
+              <a:spcBef>
+                <a:spcPts val="0"/>
+              </a:spcBef>
+              <a:spcAft>
+                <a:spcPts val="0"/>
+              </a:spcAft>
+              <a:buNone/>
+            </a:pPr>
+            <a:r>
+              <a:t/>
+            </a:r>
+            <a:endParaRPr/>
+          </a:p>
+        </p:txBody>
+      </p:sp>
+      <p:sp>
+        <p:nvSpPr>
+          <p:cNvPr id="136" name="Google Shape;136;g3b6023e473c_0_57:notes"/>
+          <p:cNvSpPr txBox="1"/>
+          <p:nvPr>
+            <p:ph idx="12" type="sldNum"/>
+          </p:nvPr>
+        </p:nvSpPr>
+        <p:spPr>
+          <a:xfrm>
+            <a:off x="3884613" y="8685213"/>
+            <a:ext cx="2971800" cy="458700"/>
+          </a:xfrm>
+          <a:prstGeom prst="rect">
+            <a:avLst/>
+          </a:prstGeom>
+        </p:spPr>
+        <p:txBody>
+          <a:bodyPr anchorCtr="0" anchor="b" bIns="45700" lIns="91425" spcFirstLastPara="1" rIns="91425" wrap="square" tIns="45700">
+            <a:noAutofit/>
+          </a:bodyPr>
+          <a:lstStyle/>
+          <a:p>
+            <a:pPr indent="0" lvl="0" marL="0" rtl="0" algn="r">
+              <a:spcBef>
+                <a:spcPts val="0"/>
+              </a:spcBef>
+              <a:spcAft>
+                <a:spcPts val="0"/>
+              </a:spcAft>
+              <a:buClr>
+                <a:srgbClr val="000000"/>
+              </a:buClr>
+              <a:buFont typeface="Arial"/>
+              <a:buNone/>
+            </a:pPr>
+            <a:fld id="{00000000-1234-1234-1234-123412341234}" type="slidenum">
+              <a:rPr lang="en-US"/>
+              <a:t>‹#›</a:t>
+            </a:fld>
+            <a:endParaRPr/>
+          </a:p>
+        </p:txBody>
+      </p:sp>
+    </p:spTree>
+  </p:cSld>
+  <p:clrMapOvr>
+    <a:masterClrMapping/>
+  </p:clrMapOvr>
+</p:notes>
+</file>
+
+<file path=ppt/notesSlides/notesSlide15.xml><?xml version="1.0" encoding="utf-8"?>
+<p:notes xmlns:a="http://schemas.openxmlformats.org/drawingml/2006/main" xmlns:r="http://schemas.openxmlformats.org/officeDocument/2006/relationships" xmlns:mc="http://schemas.openxmlformats.org/markup-compatibility/2006" xmlns:mv="urn:schemas-microsoft-com:mac:vml" xmlns:p="http://schemas.openxmlformats.org/presentationml/2006/main" xmlns:c="http://schemas.openxmlformats.org/drawingml/2006/chart" xmlns:dgm="http://schemas.openxmlformats.org/drawingml/2006/diagram" xmlns:o="urn:schemas-microsoft-com:office:office" xmlns:v="urn:schemas-microsoft-com:vml" xmlns:pvml="urn:schemas-microsoft-com:office:powerpoint" xmlns:com="http://schemas.openxmlformats.org/drawingml/2006/compatibility" xmlns:p14="http://schemas.microsoft.com/office/powerpoint/2010/main" xmlns:p15="http://schemas.microsoft.com/office/powerpoint/2012/main" xmlns:ahyp="http://schemas.microsoft.com/office/drawing/2018/hyperlinkcolor" showMasterPhAnim="0" showMasterSp="0">
+  <p:cSld>
+    <p:spTree>
+      <p:nvGrpSpPr>
+        <p:cNvPr id="140" name="Shape 140"/>
+        <p:cNvGrpSpPr/>
+        <p:nvPr/>
+      </p:nvGrpSpPr>
+      <p:grpSpPr>
+        <a:xfrm>
+          <a:off x="0" y="0"/>
+          <a:ext cx="0" cy="0"/>
+          <a:chOff x="0" y="0"/>
+          <a:chExt cx="0" cy="0"/>
+        </a:xfrm>
+      </p:grpSpPr>
+      <p:sp>
+        <p:nvSpPr>
+          <p:cNvPr id="141" name="Google Shape;141;g3b783f0365d_0_33:notes"/>
+          <p:cNvSpPr/>
+          <p:nvPr>
+            <p:ph idx="2" type="sldImg"/>
+          </p:nvPr>
+        </p:nvSpPr>
+        <p:spPr>
+          <a:xfrm>
+            <a:off x="685800" y="1143000"/>
+            <a:ext cx="5486400" cy="3086100"/>
+          </a:xfrm>
+          <a:custGeom>
+            <a:rect b="b" l="l" r="r" t="t"/>
+            <a:pathLst>
+              <a:path extrusionOk="0" h="120000" w="120000">
+                <a:moveTo>
+                  <a:pt x="0" y="0"/>
+                </a:moveTo>
+                <a:lnTo>
+                  <a:pt x="120000" y="0"/>
+                </a:lnTo>
+                <a:lnTo>
+                  <a:pt x="120000" y="120000"/>
+                </a:lnTo>
+                <a:lnTo>
+                  <a:pt x="0" y="120000"/>
+                </a:lnTo>
+                <a:close/>
+              </a:path>
+            </a:pathLst>
+          </a:custGeom>
+        </p:spPr>
+      </p:sp>
+      <p:sp>
+        <p:nvSpPr>
+          <p:cNvPr id="142" name="Google Shape;142;g3b783f0365d_0_33:notes"/>
+          <p:cNvSpPr txBox="1"/>
+          <p:nvPr>
+            <p:ph idx="1" type="body"/>
+          </p:nvPr>
+        </p:nvSpPr>
+        <p:spPr>
+          <a:xfrm>
+            <a:off x="685800" y="4400550"/>
+            <a:ext cx="5486400" cy="3600600"/>
+          </a:xfrm>
+          <a:prstGeom prst="rect">
+            <a:avLst/>
+          </a:prstGeom>
+        </p:spPr>
+        <p:txBody>
+          <a:bodyPr anchorCtr="0" anchor="t" bIns="45700" lIns="91425" spcFirstLastPara="1" rIns="91425" wrap="square" tIns="45700">
+            <a:noAutofit/>
+          </a:bodyPr>
+          <a:lstStyle/>
+          <a:p>
+            <a:pPr indent="0" lvl="0" marL="0" rtl="0" algn="l">
+              <a:spcBef>
+                <a:spcPts val="0"/>
+              </a:spcBef>
+              <a:spcAft>
+                <a:spcPts val="0"/>
+              </a:spcAft>
+              <a:buNone/>
+            </a:pPr>
+            <a:r>
+              <a:t/>
+            </a:r>
+            <a:endParaRPr/>
+          </a:p>
+        </p:txBody>
+      </p:sp>
+      <p:sp>
+        <p:nvSpPr>
+          <p:cNvPr id="143" name="Google Shape;143;g3b783f0365d_0_33:notes"/>
+          <p:cNvSpPr txBox="1"/>
+          <p:nvPr>
+            <p:ph idx="12" type="sldNum"/>
+          </p:nvPr>
+        </p:nvSpPr>
+        <p:spPr>
+          <a:xfrm>
+            <a:off x="3884613" y="8685213"/>
+            <a:ext cx="2971800" cy="458700"/>
+          </a:xfrm>
+          <a:prstGeom prst="rect">
+            <a:avLst/>
+          </a:prstGeom>
+        </p:spPr>
+        <p:txBody>
+          <a:bodyPr anchorCtr="0" anchor="b" bIns="45700" lIns="91425" spcFirstLastPara="1" rIns="91425" wrap="square" tIns="45700">
+            <a:noAutofit/>
+          </a:bodyPr>
+          <a:lstStyle/>
+          <a:p>
+            <a:pPr indent="0" lvl="0" marL="0" rtl="0" algn="r">
+              <a:spcBef>
+                <a:spcPts val="0"/>
+              </a:spcBef>
+              <a:spcAft>
+                <a:spcPts val="0"/>
+              </a:spcAft>
+              <a:buClr>
+                <a:srgbClr val="000000"/>
+              </a:buClr>
+              <a:buFont typeface="Arial"/>
+              <a:buNone/>
+            </a:pPr>
+            <a:fld id="{00000000-1234-1234-1234-123412341234}" type="slidenum">
+              <a:rPr lang="en-US"/>
+              <a:t>‹#›</a:t>
+            </a:fld>
+            <a:endParaRPr/>
+          </a:p>
+        </p:txBody>
+      </p:sp>
+    </p:spTree>
+  </p:cSld>
+  <p:clrMapOvr>
+    <a:masterClrMapping/>
+  </p:clrMapOvr>
+</p:notes>
+</file>
+
+<file path=ppt/notesSlides/notesSlide16.xml><?xml version="1.0" encoding="utf-8"?>
+<p:notes xmlns:a="http://schemas.openxmlformats.org/drawingml/2006/main" xmlns:r="http://schemas.openxmlformats.org/officeDocument/2006/relationships" xmlns:mc="http://schemas.openxmlformats.org/markup-compatibility/2006" xmlns:mv="urn:schemas-microsoft-com:mac:vml" xmlns:p="http://schemas.openxmlformats.org/presentationml/2006/main" xmlns:c="http://schemas.openxmlformats.org/drawingml/2006/chart" xmlns:dgm="http://schemas.openxmlformats.org/drawingml/2006/diagram" xmlns:o="urn:schemas-microsoft-com:office:office" xmlns:v="urn:schemas-microsoft-com:vml" xmlns:pvml="urn:schemas-microsoft-com:office:powerpoint" xmlns:com="http://schemas.openxmlformats.org/drawingml/2006/compatibility" xmlns:p14="http://schemas.microsoft.com/office/powerpoint/2010/main" xmlns:p15="http://schemas.microsoft.com/office/powerpoint/2012/main" xmlns:ahyp="http://schemas.microsoft.com/office/drawing/2018/hyperlinkcolor" showMasterPhAnim="0" showMasterSp="0">
+  <p:cSld>
+    <p:spTree>
+      <p:nvGrpSpPr>
+        <p:cNvPr id="150" name="Shape 150"/>
+        <p:cNvGrpSpPr/>
+        <p:nvPr/>
+      </p:nvGrpSpPr>
+      <p:grpSpPr>
+        <a:xfrm>
+          <a:off x="0" y="0"/>
+          <a:ext cx="0" cy="0"/>
+          <a:chOff x="0" y="0"/>
+          <a:chExt cx="0" cy="0"/>
+        </a:xfrm>
+      </p:grpSpPr>
+      <p:sp>
+        <p:nvSpPr>
+          <p:cNvPr id="151" name="Google Shape;151;g3b783f0365d_0_80:notes"/>
+          <p:cNvSpPr/>
+          <p:nvPr>
+            <p:ph idx="2" type="sldImg"/>
+          </p:nvPr>
+        </p:nvSpPr>
+        <p:spPr>
+          <a:xfrm>
+            <a:off x="685800" y="1143000"/>
+            <a:ext cx="5486400" cy="3086100"/>
+          </a:xfrm>
+          <a:custGeom>
+            <a:rect b="b" l="l" r="r" t="t"/>
+            <a:pathLst>
+              <a:path extrusionOk="0" h="120000" w="120000">
+                <a:moveTo>
+                  <a:pt x="0" y="0"/>
+                </a:moveTo>
+                <a:lnTo>
+                  <a:pt x="120000" y="0"/>
+                </a:lnTo>
+                <a:lnTo>
+                  <a:pt x="120000" y="120000"/>
+                </a:lnTo>
+                <a:lnTo>
+                  <a:pt x="0" y="120000"/>
+                </a:lnTo>
+                <a:close/>
+              </a:path>
+            </a:pathLst>
+          </a:custGeom>
+        </p:spPr>
+      </p:sp>
+      <p:sp>
+        <p:nvSpPr>
+          <p:cNvPr id="152" name="Google Shape;152;g3b783f0365d_0_80:notes"/>
+          <p:cNvSpPr txBox="1"/>
+          <p:nvPr>
+            <p:ph idx="1" type="body"/>
+          </p:nvPr>
+        </p:nvSpPr>
+        <p:spPr>
+          <a:xfrm>
+            <a:off x="685800" y="4400550"/>
+            <a:ext cx="5486400" cy="3600600"/>
+          </a:xfrm>
+          <a:prstGeom prst="rect">
+            <a:avLst/>
+          </a:prstGeom>
+        </p:spPr>
+        <p:txBody>
+          <a:bodyPr anchorCtr="0" anchor="t" bIns="45700" lIns="91425" spcFirstLastPara="1" rIns="91425" wrap="square" tIns="45700">
+            <a:noAutofit/>
+          </a:bodyPr>
+          <a:lstStyle/>
+          <a:p>
+            <a:pPr indent="0" lvl="0" marL="0" rtl="0" algn="l">
+              <a:spcBef>
+                <a:spcPts val="0"/>
+              </a:spcBef>
+              <a:spcAft>
+                <a:spcPts val="0"/>
+              </a:spcAft>
+              <a:buNone/>
+            </a:pPr>
+            <a:r>
+              <a:t/>
+            </a:r>
+            <a:endParaRPr/>
+          </a:p>
+        </p:txBody>
+      </p:sp>
+      <p:sp>
+        <p:nvSpPr>
+          <p:cNvPr id="153" name="Google Shape;153;g3b783f0365d_0_80:notes"/>
+          <p:cNvSpPr txBox="1"/>
+          <p:nvPr>
+            <p:ph idx="12" type="sldNum"/>
+          </p:nvPr>
+        </p:nvSpPr>
+        <p:spPr>
+          <a:xfrm>
+            <a:off x="3884613" y="8685213"/>
+            <a:ext cx="2971800" cy="458700"/>
+          </a:xfrm>
+          <a:prstGeom prst="rect">
+            <a:avLst/>
+          </a:prstGeom>
+        </p:spPr>
+        <p:txBody>
+          <a:bodyPr anchorCtr="0" anchor="b" bIns="45700" lIns="91425" spcFirstLastPara="1" rIns="91425" wrap="square" tIns="45700">
+            <a:noAutofit/>
+          </a:bodyPr>
+          <a:lstStyle/>
+          <a:p>
+            <a:pPr indent="0" lvl="0" marL="0" rtl="0" algn="r">
+              <a:spcBef>
+                <a:spcPts val="0"/>
+              </a:spcBef>
+              <a:spcAft>
+                <a:spcPts val="0"/>
+              </a:spcAft>
+              <a:buClr>
+                <a:srgbClr val="000000"/>
+              </a:buClr>
+              <a:buFont typeface="Arial"/>
+              <a:buNone/>
+            </a:pPr>
+            <a:fld id="{00000000-1234-1234-1234-123412341234}" type="slidenum">
+              <a:rPr lang="en-US"/>
+              <a:t>‹#›</a:t>
+            </a:fld>
+            <a:endParaRPr/>
+          </a:p>
+        </p:txBody>
+      </p:sp>
+    </p:spTree>
+  </p:cSld>
+  <p:clrMapOvr>
+    <a:masterClrMapping/>
+  </p:clrMapOvr>
+</p:notes>
+</file>
+
+<file path=ppt/notesSlides/notesSlide17.xml><?xml version="1.0" encoding="utf-8"?>
+<p:notes xmlns:a="http://schemas.openxmlformats.org/drawingml/2006/main" xmlns:r="http://schemas.openxmlformats.org/officeDocument/2006/relationships" xmlns:mc="http://schemas.openxmlformats.org/markup-compatibility/2006" xmlns:mv="urn:schemas-microsoft-com:mac:vml" xmlns:p="http://schemas.openxmlformats.org/presentationml/2006/main" xmlns:c="http://schemas.openxmlformats.org/drawingml/2006/chart" xmlns:dgm="http://schemas.openxmlformats.org/drawingml/2006/diagram" xmlns:o="urn:schemas-microsoft-com:office:office" xmlns:v="urn:schemas-microsoft-com:vml" xmlns:pvml="urn:schemas-microsoft-com:office:powerpoint" xmlns:com="http://schemas.openxmlformats.org/drawingml/2006/compatibility" xmlns:p14="http://schemas.microsoft.com/office/powerpoint/2010/main" xmlns:p15="http://schemas.microsoft.com/office/powerpoint/2012/main" xmlns:ahyp="http://schemas.microsoft.com/office/drawing/2018/hyperlinkcolor" showMasterPhAnim="0" showMasterSp="0">
+  <p:cSld>
+    <p:spTree>
+      <p:nvGrpSpPr>
+        <p:cNvPr id="159" name="Shape 159"/>
+        <p:cNvGrpSpPr/>
+        <p:nvPr/>
+      </p:nvGrpSpPr>
+      <p:grpSpPr>
+        <a:xfrm>
+          <a:off x="0" y="0"/>
+          <a:ext cx="0" cy="0"/>
+          <a:chOff x="0" y="0"/>
+          <a:chExt cx="0" cy="0"/>
+        </a:xfrm>
+      </p:grpSpPr>
+      <p:sp>
+        <p:nvSpPr>
+          <p:cNvPr id="160" name="Google Shape;160;g3b783f0365d_0_103:notes"/>
+          <p:cNvSpPr/>
+          <p:nvPr>
+            <p:ph idx="2" type="sldImg"/>
+          </p:nvPr>
+        </p:nvSpPr>
+        <p:spPr>
+          <a:xfrm>
+            <a:off x="685800" y="1143000"/>
+            <a:ext cx="5486400" cy="3086100"/>
+          </a:xfrm>
+          <a:custGeom>
+            <a:rect b="b" l="l" r="r" t="t"/>
+            <a:pathLst>
+              <a:path extrusionOk="0" h="120000" w="120000">
+                <a:moveTo>
+                  <a:pt x="0" y="0"/>
+                </a:moveTo>
+                <a:lnTo>
+                  <a:pt x="120000" y="0"/>
+                </a:lnTo>
+                <a:lnTo>
+                  <a:pt x="120000" y="120000"/>
+                </a:lnTo>
+                <a:lnTo>
+                  <a:pt x="0" y="120000"/>
+                </a:lnTo>
+                <a:close/>
+              </a:path>
+            </a:pathLst>
+          </a:custGeom>
+        </p:spPr>
+      </p:sp>
+      <p:sp>
+        <p:nvSpPr>
+          <p:cNvPr id="161" name="Google Shape;161;g3b783f0365d_0_103:notes"/>
+          <p:cNvSpPr txBox="1"/>
+          <p:nvPr>
+            <p:ph idx="1" type="body"/>
+          </p:nvPr>
+        </p:nvSpPr>
+        <p:spPr>
+          <a:xfrm>
+            <a:off x="685800" y="4400550"/>
+            <a:ext cx="5486400" cy="3600600"/>
+          </a:xfrm>
+          <a:prstGeom prst="rect">
+            <a:avLst/>
+          </a:prstGeom>
+        </p:spPr>
+        <p:txBody>
+          <a:bodyPr anchorCtr="0" anchor="t" bIns="45700" lIns="91425" spcFirstLastPara="1" rIns="91425" wrap="square" tIns="45700">
+            <a:noAutofit/>
+          </a:bodyPr>
+          <a:lstStyle/>
+          <a:p>
+            <a:pPr indent="0" lvl="0" marL="0" rtl="0" algn="l">
+              <a:spcBef>
+                <a:spcPts val="0"/>
+              </a:spcBef>
+              <a:spcAft>
+                <a:spcPts val="0"/>
+              </a:spcAft>
+              <a:buNone/>
+            </a:pPr>
+            <a:r>
+              <a:t/>
+            </a:r>
+            <a:endParaRPr/>
+          </a:p>
+        </p:txBody>
+      </p:sp>
+      <p:sp>
+        <p:nvSpPr>
+          <p:cNvPr id="162" name="Google Shape;162;g3b783f0365d_0_103:notes"/>
+          <p:cNvSpPr txBox="1"/>
+          <p:nvPr>
+            <p:ph idx="12" type="sldNum"/>
+          </p:nvPr>
+        </p:nvSpPr>
+        <p:spPr>
+          <a:xfrm>
+            <a:off x="3884613" y="8685213"/>
+            <a:ext cx="2971800" cy="458700"/>
+          </a:xfrm>
+          <a:prstGeom prst="rect">
+            <a:avLst/>
+          </a:prstGeom>
+        </p:spPr>
+        <p:txBody>
+          <a:bodyPr anchorCtr="0" anchor="b" bIns="45700" lIns="91425" spcFirstLastPara="1" rIns="91425" wrap="square" tIns="45700">
+            <a:noAutofit/>
+          </a:bodyPr>
+          <a:lstStyle/>
+          <a:p>
+            <a:pPr indent="0" lvl="0" marL="0" rtl="0" algn="r">
+              <a:spcBef>
+                <a:spcPts val="0"/>
+              </a:spcBef>
+              <a:spcAft>
+                <a:spcPts val="0"/>
+              </a:spcAft>
+              <a:buClr>
+                <a:srgbClr val="000000"/>
+              </a:buClr>
+              <a:buFont typeface="Arial"/>
+              <a:buNone/>
+            </a:pPr>
+            <a:fld id="{00000000-1234-1234-1234-123412341234}" type="slidenum">
+              <a:rPr lang="en-US"/>
+              <a:t>‹#›</a:t>
+            </a:fld>
+            <a:endParaRPr/>
+          </a:p>
+        </p:txBody>
+      </p:sp>
+    </p:spTree>
+  </p:cSld>
+  <p:clrMapOvr>
+    <a:masterClrMapping/>
+  </p:clrMapOvr>
+</p:notes>
+</file>
+
+<file path=ppt/notesSlides/notesSlide18.xml><?xml version="1.0" encoding="utf-8"?>
+<p:notes xmlns:a="http://schemas.openxmlformats.org/drawingml/2006/main" xmlns:r="http://schemas.openxmlformats.org/officeDocument/2006/relationships" xmlns:mc="http://schemas.openxmlformats.org/markup-compatibility/2006" xmlns:mv="urn:schemas-microsoft-com:mac:vml" xmlns:p="http://schemas.openxmlformats.org/presentationml/2006/main" xmlns:c="http://schemas.openxmlformats.org/drawingml/2006/chart" xmlns:dgm="http://schemas.openxmlformats.org/drawingml/2006/diagram" xmlns:o="urn:schemas-microsoft-com:office:office" xmlns:v="urn:schemas-microsoft-com:vml" xmlns:pvml="urn:schemas-microsoft-com:office:powerpoint" xmlns:com="http://schemas.openxmlformats.org/drawingml/2006/compatibility" xmlns:p14="http://schemas.microsoft.com/office/powerpoint/2010/main" xmlns:p15="http://schemas.microsoft.com/office/powerpoint/2012/main" xmlns:ahyp="http://schemas.microsoft.com/office/drawing/2018/hyperlinkcolor" showMasterPhAnim="0" showMasterSp="0">
+  <p:cSld>
+    <p:spTree>
+      <p:nvGrpSpPr>
+        <p:cNvPr id="167" name="Shape 167"/>
+        <p:cNvGrpSpPr/>
+        <p:nvPr/>
+      </p:nvGrpSpPr>
+      <p:grpSpPr>
+        <a:xfrm>
+          <a:off x="0" y="0"/>
+          <a:ext cx="0" cy="0"/>
+          <a:chOff x="0" y="0"/>
+          <a:chExt cx="0" cy="0"/>
+        </a:xfrm>
+      </p:grpSpPr>
+      <p:sp>
+        <p:nvSpPr>
+          <p:cNvPr id="168" name="Google Shape;168;p18:notes"/>
           <p:cNvSpPr txBox="1"/>
           <p:nvPr>
             <p:ph idx="1" type="body"/>
@@ -1597,7 +2749,7 @@
       </p:sp>
       <p:sp>
         <p:nvSpPr>
-          <p:cNvPr id="113" name="Google Shape;113;p18:notes"/>
+          <p:cNvPr id="169" name="Google Shape;169;p18:notes"/>
           <p:cNvSpPr/>
           <p:nvPr>
             <p:ph idx="2" type="sldImg"/>
@@ -2324,7 +3476,7 @@
       </p:grpSpPr>
       <p:sp>
         <p:nvSpPr>
-          <p:cNvPr id="85" name="Google Shape;85;g3b783f0365d_0_33:notes"/>
+          <p:cNvPr id="85" name="Google Shape;85;g3b6023e473c_0_15:notes"/>
           <p:cNvSpPr/>
           <p:nvPr>
             <p:ph idx="2" type="sldImg"/>
@@ -2359,7 +3511,7 @@
       </p:sp>
       <p:sp>
         <p:nvSpPr>
-          <p:cNvPr id="86" name="Google Shape;86;g3b783f0365d_0_33:notes"/>
+          <p:cNvPr id="86" name="Google Shape;86;g3b6023e473c_0_15:notes"/>
           <p:cNvSpPr txBox="1"/>
           <p:nvPr>
             <p:ph idx="1" type="body"/>
@@ -2398,7 +3550,7 @@
       </p:sp>
       <p:sp>
         <p:nvSpPr>
-          <p:cNvPr id="87" name="Google Shape;87;g3b783f0365d_0_33:notes"/>
+          <p:cNvPr id="87" name="Google Shape;87;g3b6023e473c_0_15:notes"/>
           <p:cNvSpPr txBox="1"/>
           <p:nvPr>
             <p:ph idx="12" type="sldNum"/>
@@ -2453,7 +3605,7 @@
   <p:cSld>
     <p:spTree>
       <p:nvGrpSpPr>
-        <p:cNvPr id="94" name="Shape 94"/>
+        <p:cNvPr id="91" name="Shape 91"/>
         <p:cNvGrpSpPr/>
         <p:nvPr/>
       </p:nvGrpSpPr>
@@ -2467,7 +3619,7 @@
       </p:grpSpPr>
       <p:sp>
         <p:nvSpPr>
-          <p:cNvPr id="95" name="Google Shape;95;g3b783f0365d_0_80:notes"/>
+          <p:cNvPr id="92" name="Google Shape;92;g3b6023e473c_0_21:notes"/>
           <p:cNvSpPr/>
           <p:nvPr>
             <p:ph idx="2" type="sldImg"/>
@@ -2502,7 +3654,7 @@
       </p:sp>
       <p:sp>
         <p:nvSpPr>
-          <p:cNvPr id="96" name="Google Shape;96;g3b783f0365d_0_80:notes"/>
+          <p:cNvPr id="93" name="Google Shape;93;g3b6023e473c_0_21:notes"/>
           <p:cNvSpPr txBox="1"/>
           <p:nvPr>
             <p:ph idx="1" type="body"/>
@@ -2541,7 +3693,7 @@
       </p:sp>
       <p:sp>
         <p:nvSpPr>
-          <p:cNvPr id="97" name="Google Shape;97;g3b783f0365d_0_80:notes"/>
+          <p:cNvPr id="94" name="Google Shape;94;g3b6023e473c_0_21:notes"/>
           <p:cNvSpPr txBox="1"/>
           <p:nvPr>
             <p:ph idx="12" type="sldNum"/>
@@ -2596,7 +3748,7 @@
   <p:cSld>
     <p:spTree>
       <p:nvGrpSpPr>
-        <p:cNvPr id="103" name="Shape 103"/>
+        <p:cNvPr id="98" name="Shape 98"/>
         <p:cNvGrpSpPr/>
         <p:nvPr/>
       </p:nvGrpSpPr>
@@ -2610,7 +3762,7 @@
       </p:grpSpPr>
       <p:sp>
         <p:nvSpPr>
-          <p:cNvPr id="104" name="Google Shape;104;g3b783f0365d_0_103:notes"/>
+          <p:cNvPr id="99" name="Google Shape;99;g3b6023e473c_0_27:notes"/>
           <p:cNvSpPr/>
           <p:nvPr>
             <p:ph idx="2" type="sldImg"/>
@@ -2645,7 +3797,7 @@
       </p:sp>
       <p:sp>
         <p:nvSpPr>
-          <p:cNvPr id="105" name="Google Shape;105;g3b783f0365d_0_103:notes"/>
+          <p:cNvPr id="100" name="Google Shape;100;g3b6023e473c_0_27:notes"/>
           <p:cNvSpPr txBox="1"/>
           <p:nvPr>
             <p:ph idx="1" type="body"/>
@@ -2684,7 +3836,7 @@
       </p:sp>
       <p:sp>
         <p:nvSpPr>
-          <p:cNvPr id="106" name="Google Shape;106;g3b783f0365d_0_103:notes"/>
+          <p:cNvPr id="101" name="Google Shape;101;g3b6023e473c_0_27:notes"/>
           <p:cNvSpPr txBox="1"/>
           <p:nvPr>
             <p:ph idx="12" type="sldNum"/>
@@ -4642,7 +5794,7 @@
   <p:cSld>
     <p:spTree>
       <p:nvGrpSpPr>
-        <p:cNvPr id="114" name="Shape 114"/>
+        <p:cNvPr id="109" name="Shape 109"/>
         <p:cNvGrpSpPr/>
         <p:nvPr/>
       </p:nvGrpSpPr>
@@ -4656,7 +5808,1657 @@
       </p:grpSpPr>
       <p:sp>
         <p:nvSpPr>
-          <p:cNvPr id="115" name="Google Shape;115;p18"/>
+          <p:cNvPr id="110" name="Google Shape;110;g3b6023e473c_0_33"/>
+          <p:cNvSpPr txBox="1"/>
+          <p:nvPr>
+            <p:ph idx="12" type="sldNum"/>
+          </p:nvPr>
+        </p:nvSpPr>
+        <p:spPr>
+          <a:xfrm>
+            <a:off x="0" y="0"/>
+            <a:ext cx="3000000" cy="3000000"/>
+          </a:xfrm>
+          <a:prstGeom prst="rect">
+            <a:avLst/>
+          </a:prstGeom>
+        </p:spPr>
+        <p:txBody>
+          <a:bodyPr anchorCtr="0" anchor="t" bIns="45700" lIns="91425" spcFirstLastPara="1" rIns="91425" wrap="square" tIns="45700">
+            <a:noAutofit/>
+          </a:bodyPr>
+          <a:lstStyle/>
+          <a:p>
+            <a:pPr indent="0" lvl="0" marL="0" rtl="0" algn="l">
+              <a:spcBef>
+                <a:spcPts val="0"/>
+              </a:spcBef>
+              <a:spcAft>
+                <a:spcPts val="0"/>
+              </a:spcAft>
+              <a:buClr>
+                <a:srgbClr val="000000"/>
+              </a:buClr>
+              <a:buFont typeface="Arial"/>
+              <a:buNone/>
+            </a:pPr>
+            <a:fld id="{00000000-1234-1234-1234-123412341234}" type="slidenum">
+              <a:rPr lang="en-US"/>
+              <a:t>‹#›</a:t>
+            </a:fld>
+            <a:endParaRPr/>
+          </a:p>
+        </p:txBody>
+      </p:sp>
+      <p:pic>
+        <p:nvPicPr>
+          <p:cNvPr id="111" name="Google Shape;111;g3b6023e473c_0_33"/>
+          <p:cNvPicPr preferRelativeResize="0"/>
+          <p:nvPr/>
+        </p:nvPicPr>
+        <p:blipFill>
+          <a:blip r:embed="rId3">
+            <a:alphaModFix/>
+          </a:blip>
+          <a:stretch>
+            <a:fillRect/>
+          </a:stretch>
+        </p:blipFill>
+        <p:spPr>
+          <a:xfrm>
+            <a:off x="0" y="0"/>
+            <a:ext cx="12192001" cy="6843081"/>
+          </a:xfrm>
+          <a:prstGeom prst="rect">
+            <a:avLst/>
+          </a:prstGeom>
+          <a:noFill/>
+          <a:ln>
+            <a:noFill/>
+          </a:ln>
+        </p:spPr>
+      </p:pic>
+    </p:spTree>
+  </p:cSld>
+  <p:clrMapOvr>
+    <a:masterClrMapping/>
+  </p:clrMapOvr>
+</p:sld>
+</file>
+
+<file path=ppt/slides/slide11.xml><?xml version="1.0" encoding="utf-8"?>
+<p:sld xmlns:a="http://schemas.openxmlformats.org/drawingml/2006/main" xmlns:r="http://schemas.openxmlformats.org/officeDocument/2006/relationships" xmlns:mc="http://schemas.openxmlformats.org/markup-compatibility/2006" xmlns:mv="urn:schemas-microsoft-com:mac:vml" xmlns:p="http://schemas.openxmlformats.org/presentationml/2006/main" xmlns:c="http://schemas.openxmlformats.org/drawingml/2006/chart" xmlns:dgm="http://schemas.openxmlformats.org/drawingml/2006/diagram" xmlns:o="urn:schemas-microsoft-com:office:office" xmlns:v="urn:schemas-microsoft-com:vml" xmlns:pvml="urn:schemas-microsoft-com:office:powerpoint" xmlns:com="http://schemas.openxmlformats.org/drawingml/2006/compatibility" xmlns:p14="http://schemas.microsoft.com/office/powerpoint/2010/main" xmlns:p15="http://schemas.microsoft.com/office/powerpoint/2012/main" xmlns:ahyp="http://schemas.microsoft.com/office/drawing/2018/hyperlinkcolor">
+  <p:cSld>
+    <p:spTree>
+      <p:nvGrpSpPr>
+        <p:cNvPr id="116" name="Shape 116"/>
+        <p:cNvGrpSpPr/>
+        <p:nvPr/>
+      </p:nvGrpSpPr>
+      <p:grpSpPr>
+        <a:xfrm>
+          <a:off x="0" y="0"/>
+          <a:ext cx="0" cy="0"/>
+          <a:chOff x="0" y="0"/>
+          <a:chExt cx="0" cy="0"/>
+        </a:xfrm>
+      </p:grpSpPr>
+      <p:sp>
+        <p:nvSpPr>
+          <p:cNvPr id="117" name="Google Shape;117;g3b6023e473c_0_39"/>
+          <p:cNvSpPr txBox="1"/>
+          <p:nvPr>
+            <p:ph idx="12" type="sldNum"/>
+          </p:nvPr>
+        </p:nvSpPr>
+        <p:spPr>
+          <a:xfrm>
+            <a:off x="0" y="0"/>
+            <a:ext cx="3000000" cy="3000000"/>
+          </a:xfrm>
+          <a:prstGeom prst="rect">
+            <a:avLst/>
+          </a:prstGeom>
+        </p:spPr>
+        <p:txBody>
+          <a:bodyPr anchorCtr="0" anchor="t" bIns="45700" lIns="91425" spcFirstLastPara="1" rIns="91425" wrap="square" tIns="45700">
+            <a:noAutofit/>
+          </a:bodyPr>
+          <a:lstStyle/>
+          <a:p>
+            <a:pPr indent="0" lvl="0" marL="0" rtl="0" algn="l">
+              <a:spcBef>
+                <a:spcPts val="0"/>
+              </a:spcBef>
+              <a:spcAft>
+                <a:spcPts val="0"/>
+              </a:spcAft>
+              <a:buClr>
+                <a:srgbClr val="000000"/>
+              </a:buClr>
+              <a:buFont typeface="Arial"/>
+              <a:buNone/>
+            </a:pPr>
+            <a:fld id="{00000000-1234-1234-1234-123412341234}" type="slidenum">
+              <a:rPr lang="en-US"/>
+              <a:t>‹#›</a:t>
+            </a:fld>
+            <a:endParaRPr/>
+          </a:p>
+        </p:txBody>
+      </p:sp>
+      <p:pic>
+        <p:nvPicPr>
+          <p:cNvPr id="118" name="Google Shape;118;g3b6023e473c_0_39"/>
+          <p:cNvPicPr preferRelativeResize="0"/>
+          <p:nvPr/>
+        </p:nvPicPr>
+        <p:blipFill>
+          <a:blip r:embed="rId3">
+            <a:alphaModFix/>
+          </a:blip>
+          <a:stretch>
+            <a:fillRect/>
+          </a:stretch>
+        </p:blipFill>
+        <p:spPr>
+          <a:xfrm>
+            <a:off x="0" y="0"/>
+            <a:ext cx="12192001" cy="6843081"/>
+          </a:xfrm>
+          <a:prstGeom prst="rect">
+            <a:avLst/>
+          </a:prstGeom>
+          <a:noFill/>
+          <a:ln>
+            <a:noFill/>
+          </a:ln>
+        </p:spPr>
+      </p:pic>
+    </p:spTree>
+  </p:cSld>
+  <p:clrMapOvr>
+    <a:masterClrMapping/>
+  </p:clrMapOvr>
+</p:sld>
+</file>
+
+<file path=ppt/slides/slide12.xml><?xml version="1.0" encoding="utf-8"?>
+<p:sld xmlns:a="http://schemas.openxmlformats.org/drawingml/2006/main" xmlns:r="http://schemas.openxmlformats.org/officeDocument/2006/relationships" xmlns:mc="http://schemas.openxmlformats.org/markup-compatibility/2006" xmlns:mv="urn:schemas-microsoft-com:mac:vml" xmlns:p="http://schemas.openxmlformats.org/presentationml/2006/main" xmlns:c="http://schemas.openxmlformats.org/drawingml/2006/chart" xmlns:dgm="http://schemas.openxmlformats.org/drawingml/2006/diagram" xmlns:o="urn:schemas-microsoft-com:office:office" xmlns:v="urn:schemas-microsoft-com:vml" xmlns:pvml="urn:schemas-microsoft-com:office:powerpoint" xmlns:com="http://schemas.openxmlformats.org/drawingml/2006/compatibility" xmlns:p14="http://schemas.microsoft.com/office/powerpoint/2010/main" xmlns:p15="http://schemas.microsoft.com/office/powerpoint/2012/main" xmlns:ahyp="http://schemas.microsoft.com/office/drawing/2018/hyperlinkcolor">
+  <p:cSld>
+    <p:spTree>
+      <p:nvGrpSpPr>
+        <p:cNvPr id="123" name="Shape 123"/>
+        <p:cNvGrpSpPr/>
+        <p:nvPr/>
+      </p:nvGrpSpPr>
+      <p:grpSpPr>
+        <a:xfrm>
+          <a:off x="0" y="0"/>
+          <a:ext cx="0" cy="0"/>
+          <a:chOff x="0" y="0"/>
+          <a:chExt cx="0" cy="0"/>
+        </a:xfrm>
+      </p:grpSpPr>
+      <p:sp>
+        <p:nvSpPr>
+          <p:cNvPr id="124" name="Google Shape;124;g3b6023e473c_0_45"/>
+          <p:cNvSpPr txBox="1"/>
+          <p:nvPr>
+            <p:ph idx="12" type="sldNum"/>
+          </p:nvPr>
+        </p:nvSpPr>
+        <p:spPr>
+          <a:xfrm>
+            <a:off x="0" y="0"/>
+            <a:ext cx="3000000" cy="3000000"/>
+          </a:xfrm>
+          <a:prstGeom prst="rect">
+            <a:avLst/>
+          </a:prstGeom>
+        </p:spPr>
+        <p:txBody>
+          <a:bodyPr anchorCtr="0" anchor="t" bIns="45700" lIns="91425" spcFirstLastPara="1" rIns="91425" wrap="square" tIns="45700">
+            <a:noAutofit/>
+          </a:bodyPr>
+          <a:lstStyle/>
+          <a:p>
+            <a:pPr indent="0" lvl="0" marL="0" rtl="0" algn="l">
+              <a:spcBef>
+                <a:spcPts val="0"/>
+              </a:spcBef>
+              <a:spcAft>
+                <a:spcPts val="0"/>
+              </a:spcAft>
+              <a:buClr>
+                <a:srgbClr val="000000"/>
+              </a:buClr>
+              <a:buFont typeface="Arial"/>
+              <a:buNone/>
+            </a:pPr>
+            <a:fld id="{00000000-1234-1234-1234-123412341234}" type="slidenum">
+              <a:rPr lang="en-US"/>
+              <a:t>‹#›</a:t>
+            </a:fld>
+            <a:endParaRPr/>
+          </a:p>
+        </p:txBody>
+      </p:sp>
+      <p:pic>
+        <p:nvPicPr>
+          <p:cNvPr id="125" name="Google Shape;125;g3b6023e473c_0_45"/>
+          <p:cNvPicPr preferRelativeResize="0"/>
+          <p:nvPr/>
+        </p:nvPicPr>
+        <p:blipFill>
+          <a:blip r:embed="rId3">
+            <a:alphaModFix/>
+          </a:blip>
+          <a:stretch>
+            <a:fillRect/>
+          </a:stretch>
+        </p:blipFill>
+        <p:spPr>
+          <a:xfrm>
+            <a:off x="0" y="0"/>
+            <a:ext cx="12192001" cy="6843085"/>
+          </a:xfrm>
+          <a:prstGeom prst="rect">
+            <a:avLst/>
+          </a:prstGeom>
+          <a:noFill/>
+          <a:ln>
+            <a:noFill/>
+          </a:ln>
+        </p:spPr>
+      </p:pic>
+    </p:spTree>
+  </p:cSld>
+  <p:clrMapOvr>
+    <a:masterClrMapping/>
+  </p:clrMapOvr>
+</p:sld>
+</file>
+
+<file path=ppt/slides/slide13.xml><?xml version="1.0" encoding="utf-8"?>
+<p:sld xmlns:a="http://schemas.openxmlformats.org/drawingml/2006/main" xmlns:r="http://schemas.openxmlformats.org/officeDocument/2006/relationships" xmlns:mc="http://schemas.openxmlformats.org/markup-compatibility/2006" xmlns:mv="urn:schemas-microsoft-com:mac:vml" xmlns:p="http://schemas.openxmlformats.org/presentationml/2006/main" xmlns:c="http://schemas.openxmlformats.org/drawingml/2006/chart" xmlns:dgm="http://schemas.openxmlformats.org/drawingml/2006/diagram" xmlns:o="urn:schemas-microsoft-com:office:office" xmlns:v="urn:schemas-microsoft-com:vml" xmlns:pvml="urn:schemas-microsoft-com:office:powerpoint" xmlns:com="http://schemas.openxmlformats.org/drawingml/2006/compatibility" xmlns:p14="http://schemas.microsoft.com/office/powerpoint/2010/main" xmlns:p15="http://schemas.microsoft.com/office/powerpoint/2012/main" xmlns:ahyp="http://schemas.microsoft.com/office/drawing/2018/hyperlinkcolor">
+  <p:cSld>
+    <p:spTree>
+      <p:nvGrpSpPr>
+        <p:cNvPr id="130" name="Shape 130"/>
+        <p:cNvGrpSpPr/>
+        <p:nvPr/>
+      </p:nvGrpSpPr>
+      <p:grpSpPr>
+        <a:xfrm>
+          <a:off x="0" y="0"/>
+          <a:ext cx="0" cy="0"/>
+          <a:chOff x="0" y="0"/>
+          <a:chExt cx="0" cy="0"/>
+        </a:xfrm>
+      </p:grpSpPr>
+      <p:sp>
+        <p:nvSpPr>
+          <p:cNvPr id="131" name="Google Shape;131;g3b6023e473c_0_51"/>
+          <p:cNvSpPr txBox="1"/>
+          <p:nvPr>
+            <p:ph idx="12" type="sldNum"/>
+          </p:nvPr>
+        </p:nvSpPr>
+        <p:spPr>
+          <a:xfrm>
+            <a:off x="0" y="0"/>
+            <a:ext cx="3000000" cy="3000000"/>
+          </a:xfrm>
+          <a:prstGeom prst="rect">
+            <a:avLst/>
+          </a:prstGeom>
+        </p:spPr>
+        <p:txBody>
+          <a:bodyPr anchorCtr="0" anchor="t" bIns="45700" lIns="91425" spcFirstLastPara="1" rIns="91425" wrap="square" tIns="45700">
+            <a:noAutofit/>
+          </a:bodyPr>
+          <a:lstStyle/>
+          <a:p>
+            <a:pPr indent="0" lvl="0" marL="0" rtl="0" algn="l">
+              <a:spcBef>
+                <a:spcPts val="0"/>
+              </a:spcBef>
+              <a:spcAft>
+                <a:spcPts val="0"/>
+              </a:spcAft>
+              <a:buClr>
+                <a:srgbClr val="000000"/>
+              </a:buClr>
+              <a:buFont typeface="Arial"/>
+              <a:buNone/>
+            </a:pPr>
+            <a:fld id="{00000000-1234-1234-1234-123412341234}" type="slidenum">
+              <a:rPr lang="en-US"/>
+              <a:t>‹#›</a:t>
+            </a:fld>
+            <a:endParaRPr/>
+          </a:p>
+        </p:txBody>
+      </p:sp>
+      <p:pic>
+        <p:nvPicPr>
+          <p:cNvPr id="132" name="Google Shape;132;g3b6023e473c_0_51"/>
+          <p:cNvPicPr preferRelativeResize="0"/>
+          <p:nvPr/>
+        </p:nvPicPr>
+        <p:blipFill>
+          <a:blip r:embed="rId3">
+            <a:alphaModFix/>
+          </a:blip>
+          <a:stretch>
+            <a:fillRect/>
+          </a:stretch>
+        </p:blipFill>
+        <p:spPr>
+          <a:xfrm>
+            <a:off x="0" y="0"/>
+            <a:ext cx="12192001" cy="6843081"/>
+          </a:xfrm>
+          <a:prstGeom prst="rect">
+            <a:avLst/>
+          </a:prstGeom>
+          <a:noFill/>
+          <a:ln>
+            <a:noFill/>
+          </a:ln>
+        </p:spPr>
+      </p:pic>
+    </p:spTree>
+  </p:cSld>
+  <p:clrMapOvr>
+    <a:masterClrMapping/>
+  </p:clrMapOvr>
+</p:sld>
+</file>
+
+<file path=ppt/slides/slide14.xml><?xml version="1.0" encoding="utf-8"?>
+<p:sld xmlns:a="http://schemas.openxmlformats.org/drawingml/2006/main" xmlns:r="http://schemas.openxmlformats.org/officeDocument/2006/relationships" xmlns:mc="http://schemas.openxmlformats.org/markup-compatibility/2006" xmlns:mv="urn:schemas-microsoft-com:mac:vml" xmlns:p="http://schemas.openxmlformats.org/presentationml/2006/main" xmlns:c="http://schemas.openxmlformats.org/drawingml/2006/chart" xmlns:dgm="http://schemas.openxmlformats.org/drawingml/2006/diagram" xmlns:o="urn:schemas-microsoft-com:office:office" xmlns:v="urn:schemas-microsoft-com:vml" xmlns:pvml="urn:schemas-microsoft-com:office:powerpoint" xmlns:com="http://schemas.openxmlformats.org/drawingml/2006/compatibility" xmlns:p14="http://schemas.microsoft.com/office/powerpoint/2010/main" xmlns:p15="http://schemas.microsoft.com/office/powerpoint/2012/main" xmlns:ahyp="http://schemas.microsoft.com/office/drawing/2018/hyperlinkcolor">
+  <p:cSld>
+    <p:spTree>
+      <p:nvGrpSpPr>
+        <p:cNvPr id="137" name="Shape 137"/>
+        <p:cNvGrpSpPr/>
+        <p:nvPr/>
+      </p:nvGrpSpPr>
+      <p:grpSpPr>
+        <a:xfrm>
+          <a:off x="0" y="0"/>
+          <a:ext cx="0" cy="0"/>
+          <a:chOff x="0" y="0"/>
+          <a:chExt cx="0" cy="0"/>
+        </a:xfrm>
+      </p:grpSpPr>
+      <p:sp>
+        <p:nvSpPr>
+          <p:cNvPr id="138" name="Google Shape;138;g3b6023e473c_0_57"/>
+          <p:cNvSpPr txBox="1"/>
+          <p:nvPr>
+            <p:ph idx="12" type="sldNum"/>
+          </p:nvPr>
+        </p:nvSpPr>
+        <p:spPr>
+          <a:xfrm>
+            <a:off x="0" y="0"/>
+            <a:ext cx="3000000" cy="3000000"/>
+          </a:xfrm>
+          <a:prstGeom prst="rect">
+            <a:avLst/>
+          </a:prstGeom>
+        </p:spPr>
+        <p:txBody>
+          <a:bodyPr anchorCtr="0" anchor="t" bIns="45700" lIns="91425" spcFirstLastPara="1" rIns="91425" wrap="square" tIns="45700">
+            <a:noAutofit/>
+          </a:bodyPr>
+          <a:lstStyle/>
+          <a:p>
+            <a:pPr indent="0" lvl="0" marL="0" rtl="0" algn="l">
+              <a:spcBef>
+                <a:spcPts val="0"/>
+              </a:spcBef>
+              <a:spcAft>
+                <a:spcPts val="0"/>
+              </a:spcAft>
+              <a:buClr>
+                <a:srgbClr val="000000"/>
+              </a:buClr>
+              <a:buFont typeface="Arial"/>
+              <a:buNone/>
+            </a:pPr>
+            <a:fld id="{00000000-1234-1234-1234-123412341234}" type="slidenum">
+              <a:rPr lang="en-US"/>
+              <a:t>‹#›</a:t>
+            </a:fld>
+            <a:endParaRPr/>
+          </a:p>
+        </p:txBody>
+      </p:sp>
+      <p:pic>
+        <p:nvPicPr>
+          <p:cNvPr id="139" name="Google Shape;139;g3b6023e473c_0_57"/>
+          <p:cNvPicPr preferRelativeResize="0"/>
+          <p:nvPr/>
+        </p:nvPicPr>
+        <p:blipFill>
+          <a:blip r:embed="rId3">
+            <a:alphaModFix/>
+          </a:blip>
+          <a:stretch>
+            <a:fillRect/>
+          </a:stretch>
+        </p:blipFill>
+        <p:spPr>
+          <a:xfrm>
+            <a:off x="0" y="0"/>
+            <a:ext cx="12192001" cy="6843081"/>
+          </a:xfrm>
+          <a:prstGeom prst="rect">
+            <a:avLst/>
+          </a:prstGeom>
+          <a:noFill/>
+          <a:ln>
+            <a:noFill/>
+          </a:ln>
+        </p:spPr>
+      </p:pic>
+    </p:spTree>
+  </p:cSld>
+  <p:clrMapOvr>
+    <a:masterClrMapping/>
+  </p:clrMapOvr>
+</p:sld>
+</file>
+
+<file path=ppt/slides/slide15.xml><?xml version="1.0" encoding="utf-8"?>
+<p:sld xmlns:a="http://schemas.openxmlformats.org/drawingml/2006/main" xmlns:r="http://schemas.openxmlformats.org/officeDocument/2006/relationships" xmlns:mc="http://schemas.openxmlformats.org/markup-compatibility/2006" xmlns:mv="urn:schemas-microsoft-com:mac:vml" xmlns:p="http://schemas.openxmlformats.org/presentationml/2006/main" xmlns:c="http://schemas.openxmlformats.org/drawingml/2006/chart" xmlns:dgm="http://schemas.openxmlformats.org/drawingml/2006/diagram" xmlns:o="urn:schemas-microsoft-com:office:office" xmlns:v="urn:schemas-microsoft-com:vml" xmlns:pvml="urn:schemas-microsoft-com:office:powerpoint" xmlns:com="http://schemas.openxmlformats.org/drawingml/2006/compatibility" xmlns:p14="http://schemas.microsoft.com/office/powerpoint/2010/main" xmlns:p15="http://schemas.microsoft.com/office/powerpoint/2012/main" xmlns:ahyp="http://schemas.microsoft.com/office/drawing/2018/hyperlinkcolor">
+  <p:cSld>
+    <p:spTree>
+      <p:nvGrpSpPr>
+        <p:cNvPr id="144" name="Shape 144"/>
+        <p:cNvGrpSpPr/>
+        <p:nvPr/>
+      </p:nvGrpSpPr>
+      <p:grpSpPr>
+        <a:xfrm>
+          <a:off x="0" y="0"/>
+          <a:ext cx="0" cy="0"/>
+          <a:chOff x="0" y="0"/>
+          <a:chExt cx="0" cy="0"/>
+        </a:xfrm>
+      </p:grpSpPr>
+      <p:sp>
+        <p:nvSpPr>
+          <p:cNvPr id="145" name="Google Shape;145;g3b783f0365d_0_33"/>
+          <p:cNvSpPr/>
+          <p:nvPr/>
+        </p:nvSpPr>
+        <p:spPr>
+          <a:xfrm>
+            <a:off x="150" y="0"/>
+            <a:ext cx="12192000" cy="919200"/>
+          </a:xfrm>
+          <a:prstGeom prst="rect">
+            <a:avLst/>
+          </a:prstGeom>
+          <a:solidFill>
+            <a:schemeClr val="accent3"/>
+          </a:solidFill>
+          <a:ln>
+            <a:noFill/>
+          </a:ln>
+        </p:spPr>
+        <p:txBody>
+          <a:bodyPr anchorCtr="0" anchor="ctr" bIns="45700" lIns="91425" spcFirstLastPara="1" rIns="91425" wrap="square" tIns="45700">
+            <a:noAutofit/>
+          </a:bodyPr>
+          <a:lstStyle/>
+          <a:p>
+            <a:pPr indent="0" lvl="0" marL="0" marR="0" rtl="0" algn="ctr">
+              <a:spcBef>
+                <a:spcPts val="0"/>
+              </a:spcBef>
+              <a:spcAft>
+                <a:spcPts val="0"/>
+              </a:spcAft>
+              <a:buNone/>
+            </a:pPr>
+            <a:r>
+              <a:rPr b="1" lang="en-US" sz="3700">
+                <a:solidFill>
+                  <a:srgbClr val="1155CC"/>
+                </a:solidFill>
+              </a:rPr>
+              <a:t>Dữ liệu nghiên cứu dạng excel (csv format)</a:t>
+            </a:r>
+            <a:endParaRPr>
+              <a:solidFill>
+                <a:srgbClr val="1155CC"/>
+              </a:solidFill>
+            </a:endParaRPr>
+          </a:p>
+        </p:txBody>
+      </p:sp>
+      <p:pic>
+        <p:nvPicPr>
+          <p:cNvPr id="146" name="Google Shape;146;g3b783f0365d_0_33"/>
+          <p:cNvPicPr preferRelativeResize="0"/>
+          <p:nvPr/>
+        </p:nvPicPr>
+        <p:blipFill>
+          <a:blip r:embed="rId3">
+            <a:alphaModFix/>
+          </a:blip>
+          <a:stretch>
+            <a:fillRect/>
+          </a:stretch>
+        </p:blipFill>
+        <p:spPr>
+          <a:xfrm>
+            <a:off x="152550" y="1643375"/>
+            <a:ext cx="11887201" cy="3617025"/>
+          </a:xfrm>
+          <a:prstGeom prst="rect">
+            <a:avLst/>
+          </a:prstGeom>
+          <a:noFill/>
+          <a:ln>
+            <a:noFill/>
+          </a:ln>
+        </p:spPr>
+      </p:pic>
+      <p:sp>
+        <p:nvSpPr>
+          <p:cNvPr id="147" name="Google Shape;147;g3b783f0365d_0_33"/>
+          <p:cNvSpPr txBox="1"/>
+          <p:nvPr/>
+        </p:nvSpPr>
+        <p:spPr>
+          <a:xfrm>
+            <a:off x="262825" y="1043075"/>
+            <a:ext cx="5937300" cy="600300"/>
+          </a:xfrm>
+          <a:prstGeom prst="rect">
+            <a:avLst/>
+          </a:prstGeom>
+          <a:noFill/>
+          <a:ln>
+            <a:noFill/>
+          </a:ln>
+        </p:spPr>
+        <p:txBody>
+          <a:bodyPr anchorCtr="0" anchor="t" bIns="91425" lIns="91425" spcFirstLastPara="1" rIns="91425" wrap="square" tIns="91425">
+            <a:spAutoFit/>
+          </a:bodyPr>
+          <a:lstStyle/>
+          <a:p>
+            <a:pPr indent="0" lvl="0" marL="0" rtl="0" algn="l">
+              <a:lnSpc>
+                <a:spcPct val="122222"/>
+              </a:lnSpc>
+              <a:spcBef>
+                <a:spcPts val="0"/>
+              </a:spcBef>
+              <a:spcAft>
+                <a:spcPts val="1200"/>
+              </a:spcAft>
+              <a:buNone/>
+            </a:pPr>
+            <a:r>
+              <a:rPr b="1" lang="en-US" sz="2700">
+                <a:solidFill>
+                  <a:srgbClr val="202124"/>
+                </a:solidFill>
+                <a:highlight>
+                  <a:srgbClr val="FFFFFF"/>
+                </a:highlight>
+              </a:rPr>
+              <a:t>Heart Failure Prediction Dataset</a:t>
+            </a:r>
+            <a:endParaRPr b="1" sz="2700">
+              <a:solidFill>
+                <a:srgbClr val="202124"/>
+              </a:solidFill>
+              <a:highlight>
+                <a:srgbClr val="FFFFFF"/>
+              </a:highlight>
+            </a:endParaRPr>
+          </a:p>
+        </p:txBody>
+      </p:sp>
+      <p:sp>
+        <p:nvSpPr>
+          <p:cNvPr id="148" name="Google Shape;148;g3b783f0365d_0_33"/>
+          <p:cNvSpPr txBox="1"/>
+          <p:nvPr/>
+        </p:nvSpPr>
+        <p:spPr>
+          <a:xfrm>
+            <a:off x="418850" y="5455625"/>
+            <a:ext cx="6676500" cy="646500"/>
+          </a:xfrm>
+          <a:prstGeom prst="rect">
+            <a:avLst/>
+          </a:prstGeom>
+          <a:noFill/>
+          <a:ln>
+            <a:noFill/>
+          </a:ln>
+        </p:spPr>
+        <p:txBody>
+          <a:bodyPr anchorCtr="0" anchor="t" bIns="91425" lIns="91425" spcFirstLastPara="1" rIns="91425" wrap="square" tIns="91425">
+            <a:spAutoFit/>
+          </a:bodyPr>
+          <a:lstStyle/>
+          <a:p>
+            <a:pPr indent="0" lvl="0" marL="0" rtl="0" algn="l">
+              <a:spcBef>
+                <a:spcPts val="0"/>
+              </a:spcBef>
+              <a:spcAft>
+                <a:spcPts val="0"/>
+              </a:spcAft>
+              <a:buNone/>
+            </a:pPr>
+            <a:r>
+              <a:rPr b="1" lang="en-US" sz="1500">
+                <a:solidFill>
+                  <a:schemeClr val="dk1"/>
+                </a:solidFill>
+              </a:rPr>
+              <a:t>Link project:</a:t>
+            </a:r>
+            <a:endParaRPr b="1" sz="1500">
+              <a:solidFill>
+                <a:schemeClr val="dk1"/>
+              </a:solidFill>
+            </a:endParaRPr>
+          </a:p>
+          <a:p>
+            <a:pPr indent="0" lvl="0" marL="0" rtl="0" algn="l">
+              <a:spcBef>
+                <a:spcPts val="0"/>
+              </a:spcBef>
+              <a:spcAft>
+                <a:spcPts val="0"/>
+              </a:spcAft>
+              <a:buNone/>
+            </a:pPr>
+            <a:r>
+              <a:rPr lang="en-US" sz="1500" u="sng">
+                <a:solidFill>
+                  <a:srgbClr val="1155CC"/>
+                </a:solidFill>
+                <a:hlinkClick r:id="rId4">
+                  <a:extLst>
+                    <a:ext uri="{A12FA001-AC4F-418D-AE19-62706E023703}">
+                      <ahyp:hlinkClr val="tx"/>
+                    </a:ext>
+                  </a:extLst>
+                </a:hlinkClick>
+              </a:rPr>
+              <a:t>https://www.kaggle.com/datasets/fedesoriano/heart-failure-prediction/data</a:t>
+            </a:r>
+            <a:endParaRPr sz="1500">
+              <a:solidFill>
+                <a:srgbClr val="1155CC"/>
+              </a:solidFill>
+            </a:endParaRPr>
+          </a:p>
+        </p:txBody>
+      </p:sp>
+      <p:sp>
+        <p:nvSpPr>
+          <p:cNvPr id="149" name="Google Shape;149;g3b783f0365d_0_33"/>
+          <p:cNvSpPr txBox="1"/>
+          <p:nvPr/>
+        </p:nvSpPr>
+        <p:spPr>
+          <a:xfrm>
+            <a:off x="8672300" y="5836275"/>
+            <a:ext cx="2554200" cy="509100"/>
+          </a:xfrm>
+          <a:prstGeom prst="rect">
+            <a:avLst/>
+          </a:prstGeom>
+          <a:solidFill>
+            <a:srgbClr val="B6D7A8"/>
+          </a:solidFill>
+          <a:ln>
+            <a:noFill/>
+          </a:ln>
+        </p:spPr>
+        <p:txBody>
+          <a:bodyPr anchorCtr="0" anchor="t" bIns="91425" lIns="91425" spcFirstLastPara="1" rIns="91425" wrap="square" tIns="91425">
+            <a:noAutofit/>
+          </a:bodyPr>
+          <a:lstStyle/>
+          <a:p>
+            <a:pPr indent="0" lvl="0" marL="0" rtl="0" algn="l">
+              <a:spcBef>
+                <a:spcPts val="0"/>
+              </a:spcBef>
+              <a:spcAft>
+                <a:spcPts val="0"/>
+              </a:spcAft>
+              <a:buNone/>
+            </a:pPr>
+            <a:r>
+              <a:rPr lang="en-US" sz="2000">
+                <a:solidFill>
+                  <a:srgbClr val="DC2626"/>
+                </a:solidFill>
+              </a:rPr>
+              <a:t>Làm sao đọc vào R?</a:t>
+            </a:r>
+            <a:endParaRPr sz="2000">
+              <a:solidFill>
+                <a:srgbClr val="DC2626"/>
+              </a:solidFill>
+            </a:endParaRPr>
+          </a:p>
+        </p:txBody>
+      </p:sp>
+    </p:spTree>
+  </p:cSld>
+  <p:clrMapOvr>
+    <a:masterClrMapping/>
+  </p:clrMapOvr>
+</p:sld>
+</file>
+
+<file path=ppt/slides/slide16.xml><?xml version="1.0" encoding="utf-8"?>
+<p:sld xmlns:a="http://schemas.openxmlformats.org/drawingml/2006/main" xmlns:r="http://schemas.openxmlformats.org/officeDocument/2006/relationships" xmlns:mc="http://schemas.openxmlformats.org/markup-compatibility/2006" xmlns:mv="urn:schemas-microsoft-com:mac:vml" xmlns:p="http://schemas.openxmlformats.org/presentationml/2006/main" xmlns:c="http://schemas.openxmlformats.org/drawingml/2006/chart" xmlns:dgm="http://schemas.openxmlformats.org/drawingml/2006/diagram" xmlns:o="urn:schemas-microsoft-com:office:office" xmlns:v="urn:schemas-microsoft-com:vml" xmlns:pvml="urn:schemas-microsoft-com:office:powerpoint" xmlns:com="http://schemas.openxmlformats.org/drawingml/2006/compatibility" xmlns:p14="http://schemas.microsoft.com/office/powerpoint/2010/main" xmlns:p15="http://schemas.microsoft.com/office/powerpoint/2012/main" xmlns:ahyp="http://schemas.microsoft.com/office/drawing/2018/hyperlinkcolor">
+  <p:cSld>
+    <p:spTree>
+      <p:nvGrpSpPr>
+        <p:cNvPr id="154" name="Shape 154"/>
+        <p:cNvGrpSpPr/>
+        <p:nvPr/>
+      </p:nvGrpSpPr>
+      <p:grpSpPr>
+        <a:xfrm>
+          <a:off x="0" y="0"/>
+          <a:ext cx="0" cy="0"/>
+          <a:chOff x="0" y="0"/>
+          <a:chExt cx="0" cy="0"/>
+        </a:xfrm>
+      </p:grpSpPr>
+      <p:sp>
+        <p:nvSpPr>
+          <p:cNvPr id="155" name="Google Shape;155;g3b783f0365d_0_80"/>
+          <p:cNvSpPr/>
+          <p:nvPr/>
+        </p:nvSpPr>
+        <p:spPr>
+          <a:xfrm>
+            <a:off x="150" y="0"/>
+            <a:ext cx="12192000" cy="919200"/>
+          </a:xfrm>
+          <a:prstGeom prst="rect">
+            <a:avLst/>
+          </a:prstGeom>
+          <a:solidFill>
+            <a:schemeClr val="accent3"/>
+          </a:solidFill>
+          <a:ln>
+            <a:noFill/>
+          </a:ln>
+        </p:spPr>
+        <p:txBody>
+          <a:bodyPr anchorCtr="0" anchor="ctr" bIns="45700" lIns="91425" spcFirstLastPara="1" rIns="91425" wrap="square" tIns="45700">
+            <a:noAutofit/>
+          </a:bodyPr>
+          <a:lstStyle/>
+          <a:p>
+            <a:pPr indent="0" lvl="0" marL="0" marR="0" rtl="0" algn="ctr">
+              <a:spcBef>
+                <a:spcPts val="0"/>
+              </a:spcBef>
+              <a:spcAft>
+                <a:spcPts val="0"/>
+              </a:spcAft>
+              <a:buNone/>
+            </a:pPr>
+            <a:r>
+              <a:rPr b="1" lang="en-US" sz="3700">
+                <a:solidFill>
+                  <a:srgbClr val="1155CC"/>
+                </a:solidFill>
+              </a:rPr>
+              <a:t>Đọc dữ liệu vào R</a:t>
+            </a:r>
+            <a:endParaRPr>
+              <a:solidFill>
+                <a:srgbClr val="1155CC"/>
+              </a:solidFill>
+            </a:endParaRPr>
+          </a:p>
+        </p:txBody>
+      </p:sp>
+      <p:sp>
+        <p:nvSpPr>
+          <p:cNvPr id="156" name="Google Shape;156;g3b783f0365d_0_80"/>
+          <p:cNvSpPr txBox="1"/>
+          <p:nvPr/>
+        </p:nvSpPr>
+        <p:spPr>
+          <a:xfrm>
+            <a:off x="237384" y="1084125"/>
+            <a:ext cx="11712000" cy="1403700"/>
+          </a:xfrm>
+          <a:prstGeom prst="rect">
+            <a:avLst/>
+          </a:prstGeom>
+          <a:noFill/>
+          <a:ln cap="flat" cmpd="sng" w="9525">
+            <a:solidFill>
+              <a:srgbClr val="1155CC"/>
+            </a:solidFill>
+            <a:prstDash val="solid"/>
+            <a:round/>
+            <a:headEnd len="sm" w="sm" type="none"/>
+            <a:tailEnd len="sm" w="sm" type="none"/>
+          </a:ln>
+        </p:spPr>
+        <p:txBody>
+          <a:bodyPr anchorCtr="0" anchor="t" bIns="91425" lIns="91425" spcFirstLastPara="1" rIns="91425" wrap="square" tIns="91425">
+            <a:spAutoFit/>
+          </a:bodyPr>
+          <a:lstStyle/>
+          <a:p>
+            <a:pPr indent="0" lvl="0" marL="0" rtl="0" algn="l">
+              <a:lnSpc>
+                <a:spcPct val="115000"/>
+              </a:lnSpc>
+              <a:spcBef>
+                <a:spcPts val="0"/>
+              </a:spcBef>
+              <a:spcAft>
+                <a:spcPts val="0"/>
+              </a:spcAft>
+              <a:buNone/>
+            </a:pPr>
+            <a:r>
+              <a:rPr b="1" lang="en-US" sz="2400">
+                <a:solidFill>
+                  <a:schemeClr val="dk1"/>
+                </a:solidFill>
+              </a:rPr>
+              <a:t>– Bước 1: </a:t>
+            </a:r>
+            <a:r>
+              <a:rPr lang="en-US" sz="2400">
+                <a:solidFill>
+                  <a:schemeClr val="dk1"/>
+                </a:solidFill>
+              </a:rPr>
+              <a:t>tìm đường link</a:t>
+            </a:r>
+            <a:endParaRPr sz="2400">
+              <a:solidFill>
+                <a:schemeClr val="dk1"/>
+              </a:solidFill>
+            </a:endParaRPr>
+          </a:p>
+          <a:p>
+            <a:pPr indent="0" lvl="0" marL="0" rtl="0" algn="l">
+              <a:lnSpc>
+                <a:spcPct val="115000"/>
+              </a:lnSpc>
+              <a:spcBef>
+                <a:spcPts val="0"/>
+              </a:spcBef>
+              <a:spcAft>
+                <a:spcPts val="0"/>
+              </a:spcAft>
+              <a:buNone/>
+            </a:pPr>
+            <a:r>
+              <a:rPr b="1" lang="en-US" sz="2400">
+                <a:solidFill>
+                  <a:schemeClr val="dk1"/>
+                </a:solidFill>
+              </a:rPr>
+              <a:t>– Bước 2: </a:t>
+            </a:r>
+            <a:r>
+              <a:rPr lang="en-US" sz="2400">
+                <a:solidFill>
+                  <a:schemeClr val="dk1"/>
+                </a:solidFill>
+              </a:rPr>
+              <a:t>dùng lệnh/hàm </a:t>
+            </a:r>
+            <a:r>
+              <a:rPr lang="en-US" sz="2400">
+                <a:solidFill>
+                  <a:schemeClr val="dk1"/>
+                </a:solidFill>
+                <a:latin typeface="Courier New"/>
+                <a:ea typeface="Courier New"/>
+                <a:cs typeface="Courier New"/>
+                <a:sym typeface="Courier New"/>
+              </a:rPr>
+              <a:t>read.csv</a:t>
+            </a:r>
+            <a:r>
+              <a:rPr lang="en-US" sz="2400">
+                <a:solidFill>
+                  <a:schemeClr val="dk1"/>
+                </a:solidFill>
+              </a:rPr>
+              <a:t> và đặt tên cho dữ liệu (ví dụ: </a:t>
+            </a:r>
+            <a:r>
+              <a:rPr lang="en-US" sz="2400">
+                <a:solidFill>
+                  <a:schemeClr val="dk1"/>
+                </a:solidFill>
+                <a:latin typeface="Courier New"/>
+                <a:ea typeface="Courier New"/>
+                <a:cs typeface="Courier New"/>
+                <a:sym typeface="Courier New"/>
+              </a:rPr>
+              <a:t>df</a:t>
+            </a:r>
+            <a:r>
+              <a:rPr lang="en-US" sz="2400">
+                <a:solidFill>
+                  <a:schemeClr val="dk1"/>
+                </a:solidFill>
+              </a:rPr>
+              <a:t>)</a:t>
+            </a:r>
+            <a:endParaRPr sz="2400">
+              <a:solidFill>
+                <a:schemeClr val="dk1"/>
+              </a:solidFill>
+            </a:endParaRPr>
+          </a:p>
+          <a:p>
+            <a:pPr indent="0" lvl="0" marL="0" rtl="0" algn="l">
+              <a:lnSpc>
+                <a:spcPct val="115000"/>
+              </a:lnSpc>
+              <a:spcBef>
+                <a:spcPts val="0"/>
+              </a:spcBef>
+              <a:spcAft>
+                <a:spcPts val="0"/>
+              </a:spcAft>
+              <a:buNone/>
+            </a:pPr>
+            <a:r>
+              <a:rPr b="1" lang="en-US" sz="2400">
+                <a:solidFill>
+                  <a:schemeClr val="dk1"/>
+                </a:solidFill>
+              </a:rPr>
+              <a:t>– Bước 3: </a:t>
+            </a:r>
+            <a:r>
+              <a:rPr lang="en-US" sz="2400">
+                <a:solidFill>
+                  <a:schemeClr val="dk1"/>
+                </a:solidFill>
+              </a:rPr>
+              <a:t>kiểm tra qua hàm </a:t>
+            </a:r>
+            <a:r>
+              <a:rPr lang="en-US" sz="2400">
+                <a:solidFill>
+                  <a:schemeClr val="dk1"/>
+                </a:solidFill>
+                <a:latin typeface="Courier New"/>
+                <a:ea typeface="Courier New"/>
+                <a:cs typeface="Courier New"/>
+                <a:sym typeface="Courier New"/>
+              </a:rPr>
+              <a:t>head(df)</a:t>
+            </a:r>
+            <a:endParaRPr sz="2400">
+              <a:solidFill>
+                <a:schemeClr val="dk1"/>
+              </a:solidFill>
+              <a:latin typeface="Courier New"/>
+              <a:ea typeface="Courier New"/>
+              <a:cs typeface="Courier New"/>
+              <a:sym typeface="Courier New"/>
+            </a:endParaRPr>
+          </a:p>
+        </p:txBody>
+      </p:sp>
+      <p:sp>
+        <p:nvSpPr>
+          <p:cNvPr id="157" name="Google Shape;157;g3b783f0365d_0_80"/>
+          <p:cNvSpPr txBox="1"/>
+          <p:nvPr/>
+        </p:nvSpPr>
+        <p:spPr>
+          <a:xfrm>
+            <a:off x="566700" y="2537111"/>
+            <a:ext cx="8048100" cy="1563900"/>
+          </a:xfrm>
+          <a:prstGeom prst="rect">
+            <a:avLst/>
+          </a:prstGeom>
+          <a:noFill/>
+          <a:ln>
+            <a:noFill/>
+          </a:ln>
+        </p:spPr>
+        <p:txBody>
+          <a:bodyPr anchorCtr="0" anchor="t" bIns="91425" lIns="91425" spcFirstLastPara="1" rIns="91425" wrap="square" tIns="91425">
+            <a:spAutoFit/>
+          </a:bodyPr>
+          <a:lstStyle/>
+          <a:p>
+            <a:pPr indent="0" lvl="0" marL="0" rtl="0" algn="l">
+              <a:lnSpc>
+                <a:spcPct val="115000"/>
+              </a:lnSpc>
+              <a:spcBef>
+                <a:spcPts val="0"/>
+              </a:spcBef>
+              <a:spcAft>
+                <a:spcPts val="0"/>
+              </a:spcAft>
+              <a:buNone/>
+            </a:pPr>
+            <a:r>
+              <a:rPr lang="en-US" sz="1600">
+                <a:solidFill>
+                  <a:schemeClr val="dk1"/>
+                </a:solidFill>
+                <a:highlight>
+                  <a:srgbClr val="FFFFFF"/>
+                </a:highlight>
+                <a:latin typeface="Courier New"/>
+                <a:ea typeface="Courier New"/>
+                <a:cs typeface="Courier New"/>
+                <a:sym typeface="Courier New"/>
+              </a:rPr>
+              <a:t>df &lt;- </a:t>
+            </a:r>
+            <a:r>
+              <a:rPr lang="en-US" sz="1600">
+                <a:solidFill>
+                  <a:schemeClr val="dk1"/>
+                </a:solidFill>
+                <a:highlight>
+                  <a:srgbClr val="FFFFFF"/>
+                </a:highlight>
+                <a:latin typeface="Courier New"/>
+                <a:ea typeface="Courier New"/>
+                <a:cs typeface="Courier New"/>
+                <a:sym typeface="Courier New"/>
+              </a:rPr>
+              <a:t>r</a:t>
+            </a:r>
+            <a:r>
+              <a:rPr lang="en-US" sz="1600">
+                <a:solidFill>
+                  <a:schemeClr val="dk1"/>
+                </a:solidFill>
+                <a:highlight>
+                  <a:srgbClr val="FFFFFF"/>
+                </a:highlight>
+                <a:latin typeface="Courier New"/>
+                <a:ea typeface="Courier New"/>
+                <a:cs typeface="Courier New"/>
+                <a:sym typeface="Courier New"/>
+              </a:rPr>
+              <a:t>ead.csv(</a:t>
+            </a:r>
+            <a:r>
+              <a:rPr lang="en-US" sz="1600">
+                <a:solidFill>
+                  <a:srgbClr val="A31515"/>
+                </a:solidFill>
+                <a:highlight>
+                  <a:srgbClr val="FFFFFF"/>
+                </a:highlight>
+                <a:latin typeface="Courier New"/>
+                <a:ea typeface="Courier New"/>
+                <a:cs typeface="Courier New"/>
+                <a:sym typeface="Courier New"/>
+              </a:rPr>
+              <a:t>"/content/Heart_Data.csv"</a:t>
+            </a:r>
+            <a:r>
+              <a:rPr lang="en-US" sz="1600">
+                <a:solidFill>
+                  <a:schemeClr val="dk1"/>
+                </a:solidFill>
+                <a:highlight>
+                  <a:srgbClr val="FFFFFF"/>
+                </a:highlight>
+                <a:latin typeface="Courier New"/>
+                <a:ea typeface="Courier New"/>
+                <a:cs typeface="Courier New"/>
+                <a:sym typeface="Courier New"/>
+              </a:rPr>
+              <a:t>)</a:t>
+            </a:r>
+            <a:endParaRPr sz="1600">
+              <a:solidFill>
+                <a:schemeClr val="dk1"/>
+              </a:solidFill>
+              <a:highlight>
+                <a:srgbClr val="FFFFFF"/>
+              </a:highlight>
+              <a:latin typeface="Courier New"/>
+              <a:ea typeface="Courier New"/>
+              <a:cs typeface="Courier New"/>
+              <a:sym typeface="Courier New"/>
+            </a:endParaRPr>
+          </a:p>
+          <a:p>
+            <a:pPr indent="0" lvl="0" marL="0" rtl="0" algn="l">
+              <a:lnSpc>
+                <a:spcPct val="115000"/>
+              </a:lnSpc>
+              <a:spcBef>
+                <a:spcPts val="0"/>
+              </a:spcBef>
+              <a:spcAft>
+                <a:spcPts val="0"/>
+              </a:spcAft>
+              <a:buNone/>
+            </a:pPr>
+            <a:r>
+              <a:rPr lang="en-US" sz="1600">
+                <a:solidFill>
+                  <a:srgbClr val="38761D"/>
+                </a:solidFill>
+                <a:highlight>
+                  <a:srgbClr val="FFFFFF"/>
+                </a:highlight>
+                <a:latin typeface="Courier New"/>
+                <a:ea typeface="Courier New"/>
+                <a:cs typeface="Courier New"/>
+                <a:sym typeface="Courier New"/>
+              </a:rPr>
+              <a:t># </a:t>
+            </a:r>
+            <a:r>
+              <a:rPr lang="en-US" sz="1600">
+                <a:solidFill>
+                  <a:srgbClr val="38761D"/>
+                </a:solidFill>
+                <a:highlight>
+                  <a:srgbClr val="FFFFFF"/>
+                </a:highlight>
+                <a:latin typeface="Courier New"/>
+                <a:ea typeface="Courier New"/>
+                <a:cs typeface="Courier New"/>
+                <a:sym typeface="Courier New"/>
+              </a:rPr>
+              <a:t>hoặc</a:t>
+            </a:r>
+            <a:endParaRPr sz="1600">
+              <a:solidFill>
+                <a:srgbClr val="38761D"/>
+              </a:solidFill>
+              <a:highlight>
+                <a:srgbClr val="FFFFFF"/>
+              </a:highlight>
+              <a:latin typeface="Courier New"/>
+              <a:ea typeface="Courier New"/>
+              <a:cs typeface="Courier New"/>
+              <a:sym typeface="Courier New"/>
+            </a:endParaRPr>
+          </a:p>
+          <a:p>
+            <a:pPr indent="0" lvl="0" marL="0" rtl="0" algn="l">
+              <a:lnSpc>
+                <a:spcPct val="115000"/>
+              </a:lnSpc>
+              <a:spcBef>
+                <a:spcPts val="0"/>
+              </a:spcBef>
+              <a:spcAft>
+                <a:spcPts val="0"/>
+              </a:spcAft>
+              <a:buNone/>
+            </a:pPr>
+            <a:r>
+              <a:rPr lang="en-US" sz="1600">
+                <a:solidFill>
+                  <a:schemeClr val="dk1"/>
+                </a:solidFill>
+                <a:highlight>
+                  <a:srgbClr val="FFFFFF"/>
+                </a:highlight>
+                <a:latin typeface="Courier New"/>
+                <a:ea typeface="Courier New"/>
+                <a:cs typeface="Courier New"/>
+                <a:sym typeface="Courier New"/>
+              </a:rPr>
+              <a:t>library(lessR)</a:t>
+            </a:r>
+            <a:endParaRPr sz="1600">
+              <a:solidFill>
+                <a:schemeClr val="dk1"/>
+              </a:solidFill>
+              <a:highlight>
+                <a:srgbClr val="FFFFFF"/>
+              </a:highlight>
+              <a:latin typeface="Courier New"/>
+              <a:ea typeface="Courier New"/>
+              <a:cs typeface="Courier New"/>
+              <a:sym typeface="Courier New"/>
+            </a:endParaRPr>
+          </a:p>
+          <a:p>
+            <a:pPr indent="0" lvl="0" marL="0" rtl="0" algn="l">
+              <a:lnSpc>
+                <a:spcPct val="115000"/>
+              </a:lnSpc>
+              <a:spcBef>
+                <a:spcPts val="0"/>
+              </a:spcBef>
+              <a:spcAft>
+                <a:spcPts val="0"/>
+              </a:spcAft>
+              <a:buNone/>
+            </a:pPr>
+            <a:r>
+              <a:rPr lang="en-US" sz="1600">
+                <a:solidFill>
+                  <a:schemeClr val="dk1"/>
+                </a:solidFill>
+                <a:highlight>
+                  <a:srgbClr val="FFFFFF"/>
+                </a:highlight>
+                <a:latin typeface="Courier New"/>
+                <a:ea typeface="Courier New"/>
+                <a:cs typeface="Courier New"/>
+                <a:sym typeface="Courier New"/>
+              </a:rPr>
+              <a:t>df &lt;- Read(</a:t>
+            </a:r>
+            <a:r>
+              <a:rPr lang="en-US" sz="1600">
+                <a:solidFill>
+                  <a:srgbClr val="A31515"/>
+                </a:solidFill>
+                <a:highlight>
+                  <a:srgbClr val="FFFFFF"/>
+                </a:highlight>
+                <a:latin typeface="Courier New"/>
+                <a:ea typeface="Courier New"/>
+                <a:cs typeface="Courier New"/>
+                <a:sym typeface="Courier New"/>
+              </a:rPr>
+              <a:t>"/content/Heart_Data.csv"</a:t>
+            </a:r>
+            <a:r>
+              <a:rPr lang="en-US" sz="1600">
+                <a:solidFill>
+                  <a:schemeClr val="dk1"/>
+                </a:solidFill>
+                <a:highlight>
+                  <a:srgbClr val="FFFFFF"/>
+                </a:highlight>
+                <a:latin typeface="Courier New"/>
+                <a:ea typeface="Courier New"/>
+                <a:cs typeface="Courier New"/>
+                <a:sym typeface="Courier New"/>
+              </a:rPr>
+              <a:t>)</a:t>
+            </a:r>
+            <a:endParaRPr sz="1600">
+              <a:solidFill>
+                <a:schemeClr val="dk1"/>
+              </a:solidFill>
+              <a:highlight>
+                <a:srgbClr val="FFFFFF"/>
+              </a:highlight>
+              <a:latin typeface="Courier New"/>
+              <a:ea typeface="Courier New"/>
+              <a:cs typeface="Courier New"/>
+              <a:sym typeface="Courier New"/>
+            </a:endParaRPr>
+          </a:p>
+          <a:p>
+            <a:pPr indent="0" lvl="0" marL="0" rtl="0" algn="l">
+              <a:lnSpc>
+                <a:spcPct val="115000"/>
+              </a:lnSpc>
+              <a:spcBef>
+                <a:spcPts val="0"/>
+              </a:spcBef>
+              <a:spcAft>
+                <a:spcPts val="0"/>
+              </a:spcAft>
+              <a:buNone/>
+            </a:pPr>
+            <a:r>
+              <a:rPr lang="en-US" sz="1600">
+                <a:solidFill>
+                  <a:schemeClr val="dk1"/>
+                </a:solidFill>
+                <a:highlight>
+                  <a:srgbClr val="FFFFFF"/>
+                </a:highlight>
+                <a:latin typeface="Courier New"/>
+                <a:ea typeface="Courier New"/>
+                <a:cs typeface="Courier New"/>
+                <a:sym typeface="Courier New"/>
+              </a:rPr>
+              <a:t>head (df)</a:t>
+            </a:r>
+            <a:endParaRPr sz="1600">
+              <a:solidFill>
+                <a:schemeClr val="dk1"/>
+              </a:solidFill>
+              <a:highlight>
+                <a:srgbClr val="FFFFFF"/>
+              </a:highlight>
+              <a:latin typeface="Courier New"/>
+              <a:ea typeface="Courier New"/>
+              <a:cs typeface="Courier New"/>
+              <a:sym typeface="Courier New"/>
+            </a:endParaRPr>
+          </a:p>
+        </p:txBody>
+      </p:sp>
+      <p:pic>
+        <p:nvPicPr>
+          <p:cNvPr id="158" name="Google Shape;158;g3b783f0365d_0_80"/>
+          <p:cNvPicPr preferRelativeResize="0"/>
+          <p:nvPr/>
+        </p:nvPicPr>
+        <p:blipFill>
+          <a:blip r:embed="rId3">
+            <a:alphaModFix/>
+          </a:blip>
+          <a:stretch>
+            <a:fillRect/>
+          </a:stretch>
+        </p:blipFill>
+        <p:spPr>
+          <a:xfrm>
+            <a:off x="615967" y="4033656"/>
+            <a:ext cx="10696575" cy="2667000"/>
+          </a:xfrm>
+          <a:prstGeom prst="rect">
+            <a:avLst/>
+          </a:prstGeom>
+          <a:noFill/>
+          <a:ln>
+            <a:noFill/>
+          </a:ln>
+        </p:spPr>
+      </p:pic>
+    </p:spTree>
+  </p:cSld>
+  <p:clrMapOvr>
+    <a:masterClrMapping/>
+  </p:clrMapOvr>
+</p:sld>
+</file>
+
+<file path=ppt/slides/slide17.xml><?xml version="1.0" encoding="utf-8"?>
+<p:sld xmlns:a="http://schemas.openxmlformats.org/drawingml/2006/main" xmlns:r="http://schemas.openxmlformats.org/officeDocument/2006/relationships" xmlns:mc="http://schemas.openxmlformats.org/markup-compatibility/2006" xmlns:mv="urn:schemas-microsoft-com:mac:vml" xmlns:p="http://schemas.openxmlformats.org/presentationml/2006/main" xmlns:c="http://schemas.openxmlformats.org/drawingml/2006/chart" xmlns:dgm="http://schemas.openxmlformats.org/drawingml/2006/diagram" xmlns:o="urn:schemas-microsoft-com:office:office" xmlns:v="urn:schemas-microsoft-com:vml" xmlns:pvml="urn:schemas-microsoft-com:office:powerpoint" xmlns:com="http://schemas.openxmlformats.org/drawingml/2006/compatibility" xmlns:p14="http://schemas.microsoft.com/office/powerpoint/2010/main" xmlns:p15="http://schemas.microsoft.com/office/powerpoint/2012/main" xmlns:ahyp="http://schemas.microsoft.com/office/drawing/2018/hyperlinkcolor">
+  <p:cSld>
+    <p:spTree>
+      <p:nvGrpSpPr>
+        <p:cNvPr id="163" name="Shape 163"/>
+        <p:cNvGrpSpPr/>
+        <p:nvPr/>
+      </p:nvGrpSpPr>
+      <p:grpSpPr>
+        <a:xfrm>
+          <a:off x="0" y="0"/>
+          <a:ext cx="0" cy="0"/>
+          <a:chOff x="0" y="0"/>
+          <a:chExt cx="0" cy="0"/>
+        </a:xfrm>
+      </p:grpSpPr>
+      <p:sp>
+        <p:nvSpPr>
+          <p:cNvPr id="164" name="Google Shape;164;g3b783f0365d_0_103"/>
+          <p:cNvSpPr txBox="1"/>
+          <p:nvPr/>
+        </p:nvSpPr>
+        <p:spPr>
+          <a:xfrm>
+            <a:off x="673138" y="3962597"/>
+            <a:ext cx="10730100" cy="1108200"/>
+          </a:xfrm>
+          <a:prstGeom prst="rect">
+            <a:avLst/>
+          </a:prstGeom>
+          <a:noFill/>
+          <a:ln>
+            <a:noFill/>
+          </a:ln>
+        </p:spPr>
+        <p:txBody>
+          <a:bodyPr anchorCtr="0" anchor="t" bIns="91425" lIns="91425" spcFirstLastPara="1" rIns="91425" wrap="square" tIns="91425">
+            <a:spAutoFit/>
+          </a:bodyPr>
+          <a:lstStyle/>
+          <a:p>
+            <a:pPr indent="0" lvl="0" marL="0" rtl="0" algn="l">
+              <a:lnSpc>
+                <a:spcPct val="150000"/>
+              </a:lnSpc>
+              <a:spcBef>
+                <a:spcPts val="0"/>
+              </a:spcBef>
+              <a:spcAft>
+                <a:spcPts val="0"/>
+              </a:spcAft>
+              <a:buNone/>
+            </a:pPr>
+            <a:r>
+              <a:rPr b="1" lang="en-US" sz="2400">
+                <a:solidFill>
+                  <a:schemeClr val="dk1"/>
+                </a:solidFill>
+              </a:rPr>
+              <a:t>Data frame </a:t>
+            </a:r>
+            <a:r>
+              <a:rPr lang="en-US" sz="2400">
+                <a:solidFill>
+                  <a:schemeClr val="dk1"/>
+                </a:solidFill>
+              </a:rPr>
+              <a:t>(dataset) trong trường hợp này là </a:t>
+            </a:r>
+            <a:r>
+              <a:rPr b="1" lang="en-US" sz="2400">
+                <a:solidFill>
+                  <a:schemeClr val="dk1"/>
+                </a:solidFill>
+              </a:rPr>
+              <a:t>df</a:t>
+            </a:r>
+            <a:endParaRPr b="1" sz="2400">
+              <a:solidFill>
+                <a:schemeClr val="dk1"/>
+              </a:solidFill>
+            </a:endParaRPr>
+          </a:p>
+          <a:p>
+            <a:pPr indent="0" lvl="0" marL="0" rtl="0" algn="l">
+              <a:lnSpc>
+                <a:spcPct val="150000"/>
+              </a:lnSpc>
+              <a:spcBef>
+                <a:spcPts val="0"/>
+              </a:spcBef>
+              <a:spcAft>
+                <a:spcPts val="0"/>
+              </a:spcAft>
+              <a:buNone/>
+            </a:pPr>
+            <a:r>
+              <a:rPr b="1" lang="en-US" sz="2400">
+                <a:solidFill>
+                  <a:schemeClr val="dk1"/>
+                </a:solidFill>
+              </a:rPr>
+              <a:t>Biến số </a:t>
+            </a:r>
+            <a:r>
+              <a:rPr lang="en-US" sz="2400">
+                <a:solidFill>
+                  <a:schemeClr val="dk1"/>
+                </a:solidFill>
+              </a:rPr>
+              <a:t>(variables): </a:t>
+            </a:r>
+            <a:r>
+              <a:rPr b="1" lang="en-US" sz="2400">
+                <a:solidFill>
+                  <a:schemeClr val="dk1"/>
+                </a:solidFill>
+              </a:rPr>
+              <a:t>cột của df</a:t>
+            </a:r>
+            <a:r>
+              <a:rPr lang="en-US" sz="2400">
+                <a:solidFill>
+                  <a:schemeClr val="dk1"/>
+                </a:solidFill>
+              </a:rPr>
+              <a:t>: </a:t>
+            </a:r>
+            <a:r>
+              <a:rPr lang="en-US" sz="2400">
+                <a:solidFill>
+                  <a:schemeClr val="dk1"/>
+                </a:solidFill>
+              </a:rPr>
+              <a:t>Age, Sex, ChestPainType, Cholesterol, …</a:t>
+            </a:r>
+            <a:endParaRPr sz="2400">
+              <a:solidFill>
+                <a:schemeClr val="dk1"/>
+              </a:solidFill>
+            </a:endParaRPr>
+          </a:p>
+        </p:txBody>
+      </p:sp>
+      <p:sp>
+        <p:nvSpPr>
+          <p:cNvPr id="165" name="Google Shape;165;g3b783f0365d_0_103"/>
+          <p:cNvSpPr txBox="1"/>
+          <p:nvPr/>
+        </p:nvSpPr>
+        <p:spPr>
+          <a:xfrm>
+            <a:off x="3819400" y="5368127"/>
+            <a:ext cx="4437600" cy="977400"/>
+          </a:xfrm>
+          <a:prstGeom prst="rect">
+            <a:avLst/>
+          </a:prstGeom>
+          <a:noFill/>
+          <a:ln>
+            <a:noFill/>
+          </a:ln>
+        </p:spPr>
+        <p:txBody>
+          <a:bodyPr anchorCtr="0" anchor="t" bIns="91425" lIns="91425" spcFirstLastPara="1" rIns="91425" wrap="square" tIns="91425">
+            <a:noAutofit/>
+          </a:bodyPr>
+          <a:lstStyle/>
+          <a:p>
+            <a:pPr indent="0" lvl="0" marL="0" rtl="0" algn="ctr">
+              <a:lnSpc>
+                <a:spcPct val="150000"/>
+              </a:lnSpc>
+              <a:spcBef>
+                <a:spcPts val="0"/>
+              </a:spcBef>
+              <a:spcAft>
+                <a:spcPts val="0"/>
+              </a:spcAft>
+              <a:buNone/>
+            </a:pPr>
+            <a:r>
+              <a:rPr lang="en-US" sz="2400">
+                <a:solidFill>
+                  <a:srgbClr val="DC2626"/>
+                </a:solidFill>
+              </a:rPr>
+              <a:t>df này có bao nhiêu variables? có bao nhiêu samples?</a:t>
+            </a:r>
+            <a:endParaRPr sz="2400">
+              <a:solidFill>
+                <a:srgbClr val="DC2626"/>
+              </a:solidFill>
+            </a:endParaRPr>
+          </a:p>
+        </p:txBody>
+      </p:sp>
+      <p:pic>
+        <p:nvPicPr>
+          <p:cNvPr id="166" name="Google Shape;166;g3b783f0365d_0_103"/>
+          <p:cNvPicPr preferRelativeResize="0"/>
+          <p:nvPr/>
+        </p:nvPicPr>
+        <p:blipFill>
+          <a:blip r:embed="rId3">
+            <a:alphaModFix/>
+          </a:blip>
+          <a:stretch>
+            <a:fillRect/>
+          </a:stretch>
+        </p:blipFill>
+        <p:spPr>
+          <a:xfrm>
+            <a:off x="241125" y="365952"/>
+            <a:ext cx="11709751" cy="3474550"/>
+          </a:xfrm>
+          <a:prstGeom prst="rect">
+            <a:avLst/>
+          </a:prstGeom>
+          <a:noFill/>
+          <a:ln>
+            <a:noFill/>
+          </a:ln>
+        </p:spPr>
+      </p:pic>
+    </p:spTree>
+  </p:cSld>
+  <p:clrMapOvr>
+    <a:masterClrMapping/>
+  </p:clrMapOvr>
+</p:sld>
+</file>
+
+<file path=ppt/slides/slide18.xml><?xml version="1.0" encoding="utf-8"?>
+<p:sld xmlns:a="http://schemas.openxmlformats.org/drawingml/2006/main" xmlns:r="http://schemas.openxmlformats.org/officeDocument/2006/relationships" xmlns:mc="http://schemas.openxmlformats.org/markup-compatibility/2006" xmlns:mv="urn:schemas-microsoft-com:mac:vml" xmlns:p="http://schemas.openxmlformats.org/presentationml/2006/main" xmlns:c="http://schemas.openxmlformats.org/drawingml/2006/chart" xmlns:dgm="http://schemas.openxmlformats.org/drawingml/2006/diagram" xmlns:o="urn:schemas-microsoft-com:office:office" xmlns:v="urn:schemas-microsoft-com:vml" xmlns:pvml="urn:schemas-microsoft-com:office:powerpoint" xmlns:com="http://schemas.openxmlformats.org/drawingml/2006/compatibility" xmlns:p14="http://schemas.microsoft.com/office/powerpoint/2010/main" xmlns:p15="http://schemas.microsoft.com/office/powerpoint/2012/main" xmlns:ahyp="http://schemas.microsoft.com/office/drawing/2018/hyperlinkcolor">
+  <p:cSld>
+    <p:spTree>
+      <p:nvGrpSpPr>
+        <p:cNvPr id="170" name="Shape 170"/>
+        <p:cNvGrpSpPr/>
+        <p:nvPr/>
+      </p:nvGrpSpPr>
+      <p:grpSpPr>
+        <a:xfrm>
+          <a:off x="0" y="0"/>
+          <a:ext cx="0" cy="0"/>
+          <a:chOff x="0" y="0"/>
+          <a:chExt cx="0" cy="0"/>
+        </a:xfrm>
+      </p:grpSpPr>
+      <p:sp>
+        <p:nvSpPr>
+          <p:cNvPr id="171" name="Google Shape;171;p18"/>
           <p:cNvSpPr/>
           <p:nvPr/>
         </p:nvSpPr>
@@ -9318,59 +12120,147 @@
       </p:grpSpPr>
       <p:sp>
         <p:nvSpPr>
-          <p:cNvPr id="89" name="Google Shape;89;g3b783f0365d_0_33"/>
-          <p:cNvSpPr/>
-          <p:nvPr/>
+          <p:cNvPr id="89" name="Google Shape;89;g3b6023e473c_0_15"/>
+          <p:cNvSpPr txBox="1"/>
+          <p:nvPr>
+            <p:ph idx="12" type="sldNum"/>
+          </p:nvPr>
         </p:nvSpPr>
         <p:spPr>
           <a:xfrm>
-            <a:off x="150" y="0"/>
-            <a:ext cx="12192000" cy="919200"/>
+            <a:off x="0" y="0"/>
+            <a:ext cx="3000000" cy="3000000"/>
           </a:xfrm>
           <a:prstGeom prst="rect">
             <a:avLst/>
           </a:prstGeom>
-          <a:solidFill>
-            <a:schemeClr val="accent3"/>
-          </a:solidFill>
-          <a:ln>
-            <a:noFill/>
-          </a:ln>
         </p:spPr>
         <p:txBody>
-          <a:bodyPr anchorCtr="0" anchor="ctr" bIns="45700" lIns="91425" spcFirstLastPara="1" rIns="91425" wrap="square" tIns="45700">
+          <a:bodyPr anchorCtr="0" anchor="t" bIns="45700" lIns="91425" spcFirstLastPara="1" rIns="91425" wrap="square" tIns="45700">
             <a:noAutofit/>
           </a:bodyPr>
           <a:lstStyle/>
           <a:p>
-            <a:pPr indent="0" lvl="0" marL="0" marR="0" rtl="0" algn="ctr">
-              <a:spcBef>
-                <a:spcPts val="0"/>
-              </a:spcBef>
-              <a:spcAft>
-                <a:spcPts val="0"/>
-              </a:spcAft>
+            <a:pPr indent="0" lvl="0" marL="0" rtl="0" algn="l">
+              <a:spcBef>
+                <a:spcPts val="0"/>
+              </a:spcBef>
+              <a:spcAft>
+                <a:spcPts val="0"/>
+              </a:spcAft>
+              <a:buClr>
+                <a:srgbClr val="000000"/>
+              </a:buClr>
+              <a:buFont typeface="Arial"/>
               <a:buNone/>
             </a:pPr>
-            <a:r>
-              <a:rPr b="1" lang="en-US" sz="3700">
-                <a:solidFill>
-                  <a:srgbClr val="1155CC"/>
-                </a:solidFill>
-              </a:rPr>
-              <a:t>Dữ liệu nghiên cứu dạng excel (csv format)</a:t>
-            </a:r>
-            <a:endParaRPr>
-              <a:solidFill>
-                <a:srgbClr val="1155CC"/>
-              </a:solidFill>
-            </a:endParaRPr>
+            <a:fld id="{00000000-1234-1234-1234-123412341234}" type="slidenum">
+              <a:rPr lang="en-US"/>
+              <a:t>‹#›</a:t>
+            </a:fld>
+            <a:endParaRPr/>
           </a:p>
         </p:txBody>
       </p:sp>
       <p:pic>
         <p:nvPicPr>
-          <p:cNvPr id="90" name="Google Shape;90;g3b783f0365d_0_33"/>
+          <p:cNvPr id="90" name="Google Shape;90;g3b6023e473c_0_15"/>
+          <p:cNvPicPr preferRelativeResize="0"/>
+          <p:nvPr/>
+        </p:nvPicPr>
+        <p:blipFill rotWithShape="1">
+          <a:blip r:embed="rId3">
+            <a:alphaModFix/>
+          </a:blip>
+          <a:srcRect b="921" l="0" r="457" t="0"/>
+          <a:stretch/>
+        </p:blipFill>
+        <p:spPr>
+          <a:xfrm>
+            <a:off x="-17750" y="0"/>
+            <a:ext cx="12253223" cy="6858000"/>
+          </a:xfrm>
+          <a:prstGeom prst="rect">
+            <a:avLst/>
+          </a:prstGeom>
+          <a:noFill/>
+          <a:ln>
+            <a:noFill/>
+          </a:ln>
+        </p:spPr>
+      </p:pic>
+    </p:spTree>
+  </p:cSld>
+  <p:clrMapOvr>
+    <a:masterClrMapping/>
+  </p:clrMapOvr>
+</p:sld>
+</file>
+
+<file path=ppt/slides/slide8.xml><?xml version="1.0" encoding="utf-8"?>
+<p:sld xmlns:a="http://schemas.openxmlformats.org/drawingml/2006/main" xmlns:r="http://schemas.openxmlformats.org/officeDocument/2006/relationships" xmlns:mc="http://schemas.openxmlformats.org/markup-compatibility/2006" xmlns:mv="urn:schemas-microsoft-com:mac:vml" xmlns:p="http://schemas.openxmlformats.org/presentationml/2006/main" xmlns:c="http://schemas.openxmlformats.org/drawingml/2006/chart" xmlns:dgm="http://schemas.openxmlformats.org/drawingml/2006/diagram" xmlns:o="urn:schemas-microsoft-com:office:office" xmlns:v="urn:schemas-microsoft-com:vml" xmlns:pvml="urn:schemas-microsoft-com:office:powerpoint" xmlns:com="http://schemas.openxmlformats.org/drawingml/2006/compatibility" xmlns:p14="http://schemas.microsoft.com/office/powerpoint/2010/main" xmlns:p15="http://schemas.microsoft.com/office/powerpoint/2012/main" xmlns:ahyp="http://schemas.microsoft.com/office/drawing/2018/hyperlinkcolor">
+  <p:cSld>
+    <p:spTree>
+      <p:nvGrpSpPr>
+        <p:cNvPr id="95" name="Shape 95"/>
+        <p:cNvGrpSpPr/>
+        <p:nvPr/>
+      </p:nvGrpSpPr>
+      <p:grpSpPr>
+        <a:xfrm>
+          <a:off x="0" y="0"/>
+          <a:ext cx="0" cy="0"/>
+          <a:chOff x="0" y="0"/>
+          <a:chExt cx="0" cy="0"/>
+        </a:xfrm>
+      </p:grpSpPr>
+      <p:sp>
+        <p:nvSpPr>
+          <p:cNvPr id="96" name="Google Shape;96;g3b6023e473c_0_21"/>
+          <p:cNvSpPr txBox="1"/>
+          <p:nvPr>
+            <p:ph idx="12" type="sldNum"/>
+          </p:nvPr>
+        </p:nvSpPr>
+        <p:spPr>
+          <a:xfrm>
+            <a:off x="0" y="0"/>
+            <a:ext cx="3000000" cy="3000000"/>
+          </a:xfrm>
+          <a:prstGeom prst="rect">
+            <a:avLst/>
+          </a:prstGeom>
+        </p:spPr>
+        <p:txBody>
+          <a:bodyPr anchorCtr="0" anchor="t" bIns="45700" lIns="91425" spcFirstLastPara="1" rIns="91425" wrap="square" tIns="45700">
+            <a:noAutofit/>
+          </a:bodyPr>
+          <a:lstStyle/>
+          <a:p>
+            <a:pPr indent="0" lvl="0" marL="0" rtl="0" algn="l">
+              <a:spcBef>
+                <a:spcPts val="0"/>
+              </a:spcBef>
+              <a:spcAft>
+                <a:spcPts val="0"/>
+              </a:spcAft>
+              <a:buClr>
+                <a:srgbClr val="000000"/>
+              </a:buClr>
+              <a:buFont typeface="Arial"/>
+              <a:buNone/>
+            </a:pPr>
+            <a:fld id="{00000000-1234-1234-1234-123412341234}" type="slidenum">
+              <a:rPr lang="en-US"/>
+              <a:t>‹#›</a:t>
+            </a:fld>
+            <a:endParaRPr/>
+          </a:p>
+        </p:txBody>
+      </p:sp>
+      <p:pic>
+        <p:nvPicPr>
+          <p:cNvPr id="97" name="Google Shape;97;g3b6023e473c_0_21"/>
           <p:cNvPicPr preferRelativeResize="0"/>
           <p:nvPr/>
         </p:nvPicPr>
@@ -9384,834 +12274,8 @@
         </p:blipFill>
         <p:spPr>
           <a:xfrm>
-            <a:off x="152550" y="1643375"/>
-            <a:ext cx="11887201" cy="3617025"/>
-          </a:xfrm>
-          <a:prstGeom prst="rect">
-            <a:avLst/>
-          </a:prstGeom>
-          <a:noFill/>
-          <a:ln>
-            <a:noFill/>
-          </a:ln>
-        </p:spPr>
-      </p:pic>
-      <p:sp>
-        <p:nvSpPr>
-          <p:cNvPr id="91" name="Google Shape;91;g3b783f0365d_0_33"/>
-          <p:cNvSpPr txBox="1"/>
-          <p:nvPr/>
-        </p:nvSpPr>
-        <p:spPr>
-          <a:xfrm>
-            <a:off x="262825" y="1043075"/>
-            <a:ext cx="5937300" cy="600300"/>
-          </a:xfrm>
-          <a:prstGeom prst="rect">
-            <a:avLst/>
-          </a:prstGeom>
-          <a:noFill/>
-          <a:ln>
-            <a:noFill/>
-          </a:ln>
-        </p:spPr>
-        <p:txBody>
-          <a:bodyPr anchorCtr="0" anchor="t" bIns="91425" lIns="91425" spcFirstLastPara="1" rIns="91425" wrap="square" tIns="91425">
-            <a:spAutoFit/>
-          </a:bodyPr>
-          <a:lstStyle/>
-          <a:p>
-            <a:pPr indent="0" lvl="0" marL="0" rtl="0" algn="l">
-              <a:lnSpc>
-                <a:spcPct val="122222"/>
-              </a:lnSpc>
-              <a:spcBef>
-                <a:spcPts val="0"/>
-              </a:spcBef>
-              <a:spcAft>
-                <a:spcPts val="1200"/>
-              </a:spcAft>
-              <a:buNone/>
-            </a:pPr>
-            <a:r>
-              <a:rPr b="1" lang="en-US" sz="2700">
-                <a:solidFill>
-                  <a:srgbClr val="202124"/>
-                </a:solidFill>
-                <a:highlight>
-                  <a:srgbClr val="FFFFFF"/>
-                </a:highlight>
-              </a:rPr>
-              <a:t>Heart Failure Prediction Dataset</a:t>
-            </a:r>
-            <a:endParaRPr b="1" sz="2700">
-              <a:solidFill>
-                <a:srgbClr val="202124"/>
-              </a:solidFill>
-              <a:highlight>
-                <a:srgbClr val="FFFFFF"/>
-              </a:highlight>
-            </a:endParaRPr>
-          </a:p>
-        </p:txBody>
-      </p:sp>
-      <p:sp>
-        <p:nvSpPr>
-          <p:cNvPr id="92" name="Google Shape;92;g3b783f0365d_0_33"/>
-          <p:cNvSpPr txBox="1"/>
-          <p:nvPr/>
-        </p:nvSpPr>
-        <p:spPr>
-          <a:xfrm>
-            <a:off x="418850" y="5455625"/>
-            <a:ext cx="6676500" cy="646500"/>
-          </a:xfrm>
-          <a:prstGeom prst="rect">
-            <a:avLst/>
-          </a:prstGeom>
-          <a:noFill/>
-          <a:ln>
-            <a:noFill/>
-          </a:ln>
-        </p:spPr>
-        <p:txBody>
-          <a:bodyPr anchorCtr="0" anchor="t" bIns="91425" lIns="91425" spcFirstLastPara="1" rIns="91425" wrap="square" tIns="91425">
-            <a:spAutoFit/>
-          </a:bodyPr>
-          <a:lstStyle/>
-          <a:p>
-            <a:pPr indent="0" lvl="0" marL="0" rtl="0" algn="l">
-              <a:spcBef>
-                <a:spcPts val="0"/>
-              </a:spcBef>
-              <a:spcAft>
-                <a:spcPts val="0"/>
-              </a:spcAft>
-              <a:buNone/>
-            </a:pPr>
-            <a:r>
-              <a:rPr b="1" lang="en-US" sz="1500">
-                <a:solidFill>
-                  <a:schemeClr val="dk1"/>
-                </a:solidFill>
-              </a:rPr>
-              <a:t>Link project:</a:t>
-            </a:r>
-            <a:endParaRPr b="1" sz="1500">
-              <a:solidFill>
-                <a:schemeClr val="dk1"/>
-              </a:solidFill>
-            </a:endParaRPr>
-          </a:p>
-          <a:p>
-            <a:pPr indent="0" lvl="0" marL="0" rtl="0" algn="l">
-              <a:spcBef>
-                <a:spcPts val="0"/>
-              </a:spcBef>
-              <a:spcAft>
-                <a:spcPts val="0"/>
-              </a:spcAft>
-              <a:buNone/>
-            </a:pPr>
-            <a:r>
-              <a:rPr lang="en-US" sz="1500" u="sng">
-                <a:solidFill>
-                  <a:srgbClr val="1155CC"/>
-                </a:solidFill>
-                <a:hlinkClick r:id="rId4">
-                  <a:extLst>
-                    <a:ext uri="{A12FA001-AC4F-418D-AE19-62706E023703}">
-                      <ahyp:hlinkClr val="tx"/>
-                    </a:ext>
-                  </a:extLst>
-                </a:hlinkClick>
-              </a:rPr>
-              <a:t>https://www.kaggle.com/datasets/fedesoriano/heart-failure-prediction/data</a:t>
-            </a:r>
-            <a:endParaRPr sz="1500">
-              <a:solidFill>
-                <a:srgbClr val="1155CC"/>
-              </a:solidFill>
-            </a:endParaRPr>
-          </a:p>
-        </p:txBody>
-      </p:sp>
-      <p:sp>
-        <p:nvSpPr>
-          <p:cNvPr id="93" name="Google Shape;93;g3b783f0365d_0_33"/>
-          <p:cNvSpPr txBox="1"/>
-          <p:nvPr/>
-        </p:nvSpPr>
-        <p:spPr>
-          <a:xfrm>
-            <a:off x="8672300" y="5836275"/>
-            <a:ext cx="2554200" cy="509100"/>
-          </a:xfrm>
-          <a:prstGeom prst="rect">
-            <a:avLst/>
-          </a:prstGeom>
-          <a:solidFill>
-            <a:srgbClr val="B6D7A8"/>
-          </a:solidFill>
-          <a:ln>
-            <a:noFill/>
-          </a:ln>
-        </p:spPr>
-        <p:txBody>
-          <a:bodyPr anchorCtr="0" anchor="t" bIns="91425" lIns="91425" spcFirstLastPara="1" rIns="91425" wrap="square" tIns="91425">
-            <a:noAutofit/>
-          </a:bodyPr>
-          <a:lstStyle/>
-          <a:p>
-            <a:pPr indent="0" lvl="0" marL="0" rtl="0" algn="l">
-              <a:spcBef>
-                <a:spcPts val="0"/>
-              </a:spcBef>
-              <a:spcAft>
-                <a:spcPts val="0"/>
-              </a:spcAft>
-              <a:buNone/>
-            </a:pPr>
-            <a:r>
-              <a:rPr lang="en-US" sz="2000">
-                <a:solidFill>
-                  <a:srgbClr val="DC2626"/>
-                </a:solidFill>
-              </a:rPr>
-              <a:t>Làm sao đọc vào R?</a:t>
-            </a:r>
-            <a:endParaRPr sz="2000">
-              <a:solidFill>
-                <a:srgbClr val="DC2626"/>
-              </a:solidFill>
-            </a:endParaRPr>
-          </a:p>
-        </p:txBody>
-      </p:sp>
-    </p:spTree>
-  </p:cSld>
-  <p:clrMapOvr>
-    <a:masterClrMapping/>
-  </p:clrMapOvr>
-</p:sld>
-</file>
-
-<file path=ppt/slides/slide8.xml><?xml version="1.0" encoding="utf-8"?>
-<p:sld xmlns:a="http://schemas.openxmlformats.org/drawingml/2006/main" xmlns:r="http://schemas.openxmlformats.org/officeDocument/2006/relationships" xmlns:mc="http://schemas.openxmlformats.org/markup-compatibility/2006" xmlns:mv="urn:schemas-microsoft-com:mac:vml" xmlns:p="http://schemas.openxmlformats.org/presentationml/2006/main" xmlns:c="http://schemas.openxmlformats.org/drawingml/2006/chart" xmlns:dgm="http://schemas.openxmlformats.org/drawingml/2006/diagram" xmlns:o="urn:schemas-microsoft-com:office:office" xmlns:v="urn:schemas-microsoft-com:vml" xmlns:pvml="urn:schemas-microsoft-com:office:powerpoint" xmlns:com="http://schemas.openxmlformats.org/drawingml/2006/compatibility" xmlns:p14="http://schemas.microsoft.com/office/powerpoint/2010/main" xmlns:p15="http://schemas.microsoft.com/office/powerpoint/2012/main" xmlns:ahyp="http://schemas.microsoft.com/office/drawing/2018/hyperlinkcolor">
-  <p:cSld>
-    <p:spTree>
-      <p:nvGrpSpPr>
-        <p:cNvPr id="98" name="Shape 98"/>
-        <p:cNvGrpSpPr/>
-        <p:nvPr/>
-      </p:nvGrpSpPr>
-      <p:grpSpPr>
-        <a:xfrm>
-          <a:off x="0" y="0"/>
-          <a:ext cx="0" cy="0"/>
-          <a:chOff x="0" y="0"/>
-          <a:chExt cx="0" cy="0"/>
-        </a:xfrm>
-      </p:grpSpPr>
-      <p:sp>
-        <p:nvSpPr>
-          <p:cNvPr id="99" name="Google Shape;99;g3b783f0365d_0_80"/>
-          <p:cNvSpPr/>
-          <p:nvPr/>
-        </p:nvSpPr>
-        <p:spPr>
-          <a:xfrm>
-            <a:off x="150" y="0"/>
-            <a:ext cx="12192000" cy="919200"/>
-          </a:xfrm>
-          <a:prstGeom prst="rect">
-            <a:avLst/>
-          </a:prstGeom>
-          <a:solidFill>
-            <a:schemeClr val="accent3"/>
-          </a:solidFill>
-          <a:ln>
-            <a:noFill/>
-          </a:ln>
-        </p:spPr>
-        <p:txBody>
-          <a:bodyPr anchorCtr="0" anchor="ctr" bIns="45700" lIns="91425" spcFirstLastPara="1" rIns="91425" wrap="square" tIns="45700">
-            <a:noAutofit/>
-          </a:bodyPr>
-          <a:lstStyle/>
-          <a:p>
-            <a:pPr indent="0" lvl="0" marL="0" marR="0" rtl="0" algn="ctr">
-              <a:spcBef>
-                <a:spcPts val="0"/>
-              </a:spcBef>
-              <a:spcAft>
-                <a:spcPts val="0"/>
-              </a:spcAft>
-              <a:buNone/>
-            </a:pPr>
-            <a:r>
-              <a:rPr b="1" lang="en-US" sz="3700">
-                <a:solidFill>
-                  <a:srgbClr val="1155CC"/>
-                </a:solidFill>
-              </a:rPr>
-              <a:t>Đọc dữ liệu vào R</a:t>
-            </a:r>
-            <a:endParaRPr>
-              <a:solidFill>
-                <a:srgbClr val="1155CC"/>
-              </a:solidFill>
-            </a:endParaRPr>
-          </a:p>
-        </p:txBody>
-      </p:sp>
-      <p:sp>
-        <p:nvSpPr>
-          <p:cNvPr id="100" name="Google Shape;100;g3b783f0365d_0_80"/>
-          <p:cNvSpPr txBox="1"/>
-          <p:nvPr/>
-        </p:nvSpPr>
-        <p:spPr>
-          <a:xfrm>
-            <a:off x="237384" y="1084125"/>
-            <a:ext cx="11712000" cy="1403700"/>
-          </a:xfrm>
-          <a:prstGeom prst="rect">
-            <a:avLst/>
-          </a:prstGeom>
-          <a:noFill/>
-          <a:ln cap="flat" cmpd="sng" w="9525">
-            <a:solidFill>
-              <a:srgbClr val="1155CC"/>
-            </a:solidFill>
-            <a:prstDash val="solid"/>
-            <a:round/>
-            <a:headEnd len="sm" w="sm" type="none"/>
-            <a:tailEnd len="sm" w="sm" type="none"/>
-          </a:ln>
-        </p:spPr>
-        <p:txBody>
-          <a:bodyPr anchorCtr="0" anchor="t" bIns="91425" lIns="91425" spcFirstLastPara="1" rIns="91425" wrap="square" tIns="91425">
-            <a:spAutoFit/>
-          </a:bodyPr>
-          <a:lstStyle/>
-          <a:p>
-            <a:pPr indent="0" lvl="0" marL="0" rtl="0" algn="l">
-              <a:lnSpc>
-                <a:spcPct val="115000"/>
-              </a:lnSpc>
-              <a:spcBef>
-                <a:spcPts val="0"/>
-              </a:spcBef>
-              <a:spcAft>
-                <a:spcPts val="0"/>
-              </a:spcAft>
-              <a:buNone/>
-            </a:pPr>
-            <a:r>
-              <a:rPr b="1" lang="en-US" sz="2400">
-                <a:solidFill>
-                  <a:schemeClr val="dk1"/>
-                </a:solidFill>
-              </a:rPr>
-              <a:t>– Bước 1: </a:t>
-            </a:r>
-            <a:r>
-              <a:rPr lang="en-US" sz="2400">
-                <a:solidFill>
-                  <a:schemeClr val="dk1"/>
-                </a:solidFill>
-              </a:rPr>
-              <a:t>tìm đường link</a:t>
-            </a:r>
-            <a:endParaRPr sz="2400">
-              <a:solidFill>
-                <a:schemeClr val="dk1"/>
-              </a:solidFill>
-            </a:endParaRPr>
-          </a:p>
-          <a:p>
-            <a:pPr indent="0" lvl="0" marL="0" rtl="0" algn="l">
-              <a:lnSpc>
-                <a:spcPct val="115000"/>
-              </a:lnSpc>
-              <a:spcBef>
-                <a:spcPts val="0"/>
-              </a:spcBef>
-              <a:spcAft>
-                <a:spcPts val="0"/>
-              </a:spcAft>
-              <a:buNone/>
-            </a:pPr>
-            <a:r>
-              <a:rPr b="1" lang="en-US" sz="2400">
-                <a:solidFill>
-                  <a:schemeClr val="dk1"/>
-                </a:solidFill>
-              </a:rPr>
-              <a:t>– Bước 2: </a:t>
-            </a:r>
-            <a:r>
-              <a:rPr lang="en-US" sz="2400">
-                <a:solidFill>
-                  <a:schemeClr val="dk1"/>
-                </a:solidFill>
-              </a:rPr>
-              <a:t>dùng lệnh/hàm </a:t>
-            </a:r>
-            <a:r>
-              <a:rPr lang="en-US" sz="2400">
-                <a:solidFill>
-                  <a:schemeClr val="dk1"/>
-                </a:solidFill>
-                <a:latin typeface="Courier New"/>
-                <a:ea typeface="Courier New"/>
-                <a:cs typeface="Courier New"/>
-                <a:sym typeface="Courier New"/>
-              </a:rPr>
-              <a:t>read.csv</a:t>
-            </a:r>
-            <a:r>
-              <a:rPr lang="en-US" sz="2400">
-                <a:solidFill>
-                  <a:schemeClr val="dk1"/>
-                </a:solidFill>
-              </a:rPr>
-              <a:t> và đặt tên cho dữ liệu (ví dụ: </a:t>
-            </a:r>
-            <a:r>
-              <a:rPr lang="en-US" sz="2400">
-                <a:solidFill>
-                  <a:schemeClr val="dk1"/>
-                </a:solidFill>
-                <a:latin typeface="Courier New"/>
-                <a:ea typeface="Courier New"/>
-                <a:cs typeface="Courier New"/>
-                <a:sym typeface="Courier New"/>
-              </a:rPr>
-              <a:t>df</a:t>
-            </a:r>
-            <a:r>
-              <a:rPr lang="en-US" sz="2400">
-                <a:solidFill>
-                  <a:schemeClr val="dk1"/>
-                </a:solidFill>
-              </a:rPr>
-              <a:t>)</a:t>
-            </a:r>
-            <a:endParaRPr sz="2400">
-              <a:solidFill>
-                <a:schemeClr val="dk1"/>
-              </a:solidFill>
-            </a:endParaRPr>
-          </a:p>
-          <a:p>
-            <a:pPr indent="0" lvl="0" marL="0" rtl="0" algn="l">
-              <a:lnSpc>
-                <a:spcPct val="115000"/>
-              </a:lnSpc>
-              <a:spcBef>
-                <a:spcPts val="0"/>
-              </a:spcBef>
-              <a:spcAft>
-                <a:spcPts val="0"/>
-              </a:spcAft>
-              <a:buNone/>
-            </a:pPr>
-            <a:r>
-              <a:rPr b="1" lang="en-US" sz="2400">
-                <a:solidFill>
-                  <a:schemeClr val="dk1"/>
-                </a:solidFill>
-              </a:rPr>
-              <a:t>– Bước 3: </a:t>
-            </a:r>
-            <a:r>
-              <a:rPr lang="en-US" sz="2400">
-                <a:solidFill>
-                  <a:schemeClr val="dk1"/>
-                </a:solidFill>
-              </a:rPr>
-              <a:t>kiểm tra qua hàm </a:t>
-            </a:r>
-            <a:r>
-              <a:rPr lang="en-US" sz="2400">
-                <a:solidFill>
-                  <a:schemeClr val="dk1"/>
-                </a:solidFill>
-                <a:latin typeface="Courier New"/>
-                <a:ea typeface="Courier New"/>
-                <a:cs typeface="Courier New"/>
-                <a:sym typeface="Courier New"/>
-              </a:rPr>
-              <a:t>head(df)</a:t>
-            </a:r>
-            <a:endParaRPr sz="2400">
-              <a:solidFill>
-                <a:schemeClr val="dk1"/>
-              </a:solidFill>
-              <a:latin typeface="Courier New"/>
-              <a:ea typeface="Courier New"/>
-              <a:cs typeface="Courier New"/>
-              <a:sym typeface="Courier New"/>
-            </a:endParaRPr>
-          </a:p>
-        </p:txBody>
-      </p:sp>
-      <p:sp>
-        <p:nvSpPr>
-          <p:cNvPr id="101" name="Google Shape;101;g3b783f0365d_0_80"/>
-          <p:cNvSpPr txBox="1"/>
-          <p:nvPr/>
-        </p:nvSpPr>
-        <p:spPr>
-          <a:xfrm>
-            <a:off x="566700" y="2537111"/>
-            <a:ext cx="8048100" cy="1563900"/>
-          </a:xfrm>
-          <a:prstGeom prst="rect">
-            <a:avLst/>
-          </a:prstGeom>
-          <a:noFill/>
-          <a:ln>
-            <a:noFill/>
-          </a:ln>
-        </p:spPr>
-        <p:txBody>
-          <a:bodyPr anchorCtr="0" anchor="t" bIns="91425" lIns="91425" spcFirstLastPara="1" rIns="91425" wrap="square" tIns="91425">
-            <a:spAutoFit/>
-          </a:bodyPr>
-          <a:lstStyle/>
-          <a:p>
-            <a:pPr indent="0" lvl="0" marL="0" rtl="0" algn="l">
-              <a:lnSpc>
-                <a:spcPct val="115000"/>
-              </a:lnSpc>
-              <a:spcBef>
-                <a:spcPts val="0"/>
-              </a:spcBef>
-              <a:spcAft>
-                <a:spcPts val="0"/>
-              </a:spcAft>
-              <a:buNone/>
-            </a:pPr>
-            <a:r>
-              <a:rPr lang="en-US" sz="1600">
-                <a:solidFill>
-                  <a:schemeClr val="dk1"/>
-                </a:solidFill>
-                <a:highlight>
-                  <a:srgbClr val="FFFFFF"/>
-                </a:highlight>
-                <a:latin typeface="Courier New"/>
-                <a:ea typeface="Courier New"/>
-                <a:cs typeface="Courier New"/>
-                <a:sym typeface="Courier New"/>
-              </a:rPr>
-              <a:t>df &lt;- </a:t>
-            </a:r>
-            <a:r>
-              <a:rPr lang="en-US" sz="1600">
-                <a:solidFill>
-                  <a:schemeClr val="dk1"/>
-                </a:solidFill>
-                <a:highlight>
-                  <a:srgbClr val="FFFFFF"/>
-                </a:highlight>
-                <a:latin typeface="Courier New"/>
-                <a:ea typeface="Courier New"/>
-                <a:cs typeface="Courier New"/>
-                <a:sym typeface="Courier New"/>
-              </a:rPr>
-              <a:t>r</a:t>
-            </a:r>
-            <a:r>
-              <a:rPr lang="en-US" sz="1600">
-                <a:solidFill>
-                  <a:schemeClr val="dk1"/>
-                </a:solidFill>
-                <a:highlight>
-                  <a:srgbClr val="FFFFFF"/>
-                </a:highlight>
-                <a:latin typeface="Courier New"/>
-                <a:ea typeface="Courier New"/>
-                <a:cs typeface="Courier New"/>
-                <a:sym typeface="Courier New"/>
-              </a:rPr>
-              <a:t>ead.csv(</a:t>
-            </a:r>
-            <a:r>
-              <a:rPr lang="en-US" sz="1600">
-                <a:solidFill>
-                  <a:srgbClr val="A31515"/>
-                </a:solidFill>
-                <a:highlight>
-                  <a:srgbClr val="FFFFFF"/>
-                </a:highlight>
-                <a:latin typeface="Courier New"/>
-                <a:ea typeface="Courier New"/>
-                <a:cs typeface="Courier New"/>
-                <a:sym typeface="Courier New"/>
-              </a:rPr>
-              <a:t>"/content/Heart_Data.csv"</a:t>
-            </a:r>
-            <a:r>
-              <a:rPr lang="en-US" sz="1600">
-                <a:solidFill>
-                  <a:schemeClr val="dk1"/>
-                </a:solidFill>
-                <a:highlight>
-                  <a:srgbClr val="FFFFFF"/>
-                </a:highlight>
-                <a:latin typeface="Courier New"/>
-                <a:ea typeface="Courier New"/>
-                <a:cs typeface="Courier New"/>
-                <a:sym typeface="Courier New"/>
-              </a:rPr>
-              <a:t>)</a:t>
-            </a:r>
-            <a:endParaRPr sz="1600">
-              <a:solidFill>
-                <a:schemeClr val="dk1"/>
-              </a:solidFill>
-              <a:highlight>
-                <a:srgbClr val="FFFFFF"/>
-              </a:highlight>
-              <a:latin typeface="Courier New"/>
-              <a:ea typeface="Courier New"/>
-              <a:cs typeface="Courier New"/>
-              <a:sym typeface="Courier New"/>
-            </a:endParaRPr>
-          </a:p>
-          <a:p>
-            <a:pPr indent="0" lvl="0" marL="0" rtl="0" algn="l">
-              <a:lnSpc>
-                <a:spcPct val="115000"/>
-              </a:lnSpc>
-              <a:spcBef>
-                <a:spcPts val="0"/>
-              </a:spcBef>
-              <a:spcAft>
-                <a:spcPts val="0"/>
-              </a:spcAft>
-              <a:buNone/>
-            </a:pPr>
-            <a:r>
-              <a:rPr lang="en-US" sz="1600">
-                <a:solidFill>
-                  <a:srgbClr val="38761D"/>
-                </a:solidFill>
-                <a:highlight>
-                  <a:srgbClr val="FFFFFF"/>
-                </a:highlight>
-                <a:latin typeface="Courier New"/>
-                <a:ea typeface="Courier New"/>
-                <a:cs typeface="Courier New"/>
-                <a:sym typeface="Courier New"/>
-              </a:rPr>
-              <a:t># </a:t>
-            </a:r>
-            <a:r>
-              <a:rPr lang="en-US" sz="1600">
-                <a:solidFill>
-                  <a:srgbClr val="38761D"/>
-                </a:solidFill>
-                <a:highlight>
-                  <a:srgbClr val="FFFFFF"/>
-                </a:highlight>
-                <a:latin typeface="Courier New"/>
-                <a:ea typeface="Courier New"/>
-                <a:cs typeface="Courier New"/>
-                <a:sym typeface="Courier New"/>
-              </a:rPr>
-              <a:t>hoặc</a:t>
-            </a:r>
-            <a:endParaRPr sz="1600">
-              <a:solidFill>
-                <a:srgbClr val="38761D"/>
-              </a:solidFill>
-              <a:highlight>
-                <a:srgbClr val="FFFFFF"/>
-              </a:highlight>
-              <a:latin typeface="Courier New"/>
-              <a:ea typeface="Courier New"/>
-              <a:cs typeface="Courier New"/>
-              <a:sym typeface="Courier New"/>
-            </a:endParaRPr>
-          </a:p>
-          <a:p>
-            <a:pPr indent="0" lvl="0" marL="0" rtl="0" algn="l">
-              <a:lnSpc>
-                <a:spcPct val="115000"/>
-              </a:lnSpc>
-              <a:spcBef>
-                <a:spcPts val="0"/>
-              </a:spcBef>
-              <a:spcAft>
-                <a:spcPts val="0"/>
-              </a:spcAft>
-              <a:buNone/>
-            </a:pPr>
-            <a:r>
-              <a:rPr lang="en-US" sz="1600">
-                <a:solidFill>
-                  <a:schemeClr val="dk1"/>
-                </a:solidFill>
-                <a:highlight>
-                  <a:srgbClr val="FFFFFF"/>
-                </a:highlight>
-                <a:latin typeface="Courier New"/>
-                <a:ea typeface="Courier New"/>
-                <a:cs typeface="Courier New"/>
-                <a:sym typeface="Courier New"/>
-              </a:rPr>
-              <a:t>library(lessR)</a:t>
-            </a:r>
-            <a:endParaRPr sz="1600">
-              <a:solidFill>
-                <a:schemeClr val="dk1"/>
-              </a:solidFill>
-              <a:highlight>
-                <a:srgbClr val="FFFFFF"/>
-              </a:highlight>
-              <a:latin typeface="Courier New"/>
-              <a:ea typeface="Courier New"/>
-              <a:cs typeface="Courier New"/>
-              <a:sym typeface="Courier New"/>
-            </a:endParaRPr>
-          </a:p>
-          <a:p>
-            <a:pPr indent="0" lvl="0" marL="0" rtl="0" algn="l">
-              <a:lnSpc>
-                <a:spcPct val="115000"/>
-              </a:lnSpc>
-              <a:spcBef>
-                <a:spcPts val="0"/>
-              </a:spcBef>
-              <a:spcAft>
-                <a:spcPts val="0"/>
-              </a:spcAft>
-              <a:buNone/>
-            </a:pPr>
-            <a:r>
-              <a:rPr lang="en-US" sz="1600">
-                <a:solidFill>
-                  <a:schemeClr val="dk1"/>
-                </a:solidFill>
-                <a:highlight>
-                  <a:srgbClr val="FFFFFF"/>
-                </a:highlight>
-                <a:latin typeface="Courier New"/>
-                <a:ea typeface="Courier New"/>
-                <a:cs typeface="Courier New"/>
-                <a:sym typeface="Courier New"/>
-              </a:rPr>
-              <a:t>df &lt;- Read(</a:t>
-            </a:r>
-            <a:r>
-              <a:rPr lang="en-US" sz="1600">
-                <a:solidFill>
-                  <a:srgbClr val="A31515"/>
-                </a:solidFill>
-                <a:highlight>
-                  <a:srgbClr val="FFFFFF"/>
-                </a:highlight>
-                <a:latin typeface="Courier New"/>
-                <a:ea typeface="Courier New"/>
-                <a:cs typeface="Courier New"/>
-                <a:sym typeface="Courier New"/>
-              </a:rPr>
-              <a:t>"/content/Heart_Data.csv"</a:t>
-            </a:r>
-            <a:r>
-              <a:rPr lang="en-US" sz="1600">
-                <a:solidFill>
-                  <a:schemeClr val="dk1"/>
-                </a:solidFill>
-                <a:highlight>
-                  <a:srgbClr val="FFFFFF"/>
-                </a:highlight>
-                <a:latin typeface="Courier New"/>
-                <a:ea typeface="Courier New"/>
-                <a:cs typeface="Courier New"/>
-                <a:sym typeface="Courier New"/>
-              </a:rPr>
-              <a:t>)</a:t>
-            </a:r>
-            <a:endParaRPr sz="1600">
-              <a:solidFill>
-                <a:schemeClr val="dk1"/>
-              </a:solidFill>
-              <a:highlight>
-                <a:srgbClr val="FFFFFF"/>
-              </a:highlight>
-              <a:latin typeface="Courier New"/>
-              <a:ea typeface="Courier New"/>
-              <a:cs typeface="Courier New"/>
-              <a:sym typeface="Courier New"/>
-            </a:endParaRPr>
-          </a:p>
-          <a:p>
-            <a:pPr indent="0" lvl="0" marL="0" rtl="0" algn="l">
-              <a:lnSpc>
-                <a:spcPct val="115000"/>
-              </a:lnSpc>
-              <a:spcBef>
-                <a:spcPts val="0"/>
-              </a:spcBef>
-              <a:spcAft>
-                <a:spcPts val="0"/>
-              </a:spcAft>
-              <a:buNone/>
-            </a:pPr>
-            <a:r>
-              <a:rPr lang="en-US" sz="1600">
-                <a:solidFill>
-                  <a:schemeClr val="dk1"/>
-                </a:solidFill>
-                <a:highlight>
-                  <a:srgbClr val="FFFFFF"/>
-                </a:highlight>
-                <a:latin typeface="Courier New"/>
-                <a:ea typeface="Courier New"/>
-                <a:cs typeface="Courier New"/>
-                <a:sym typeface="Courier New"/>
-              </a:rPr>
-              <a:t>head (df)</a:t>
-            </a:r>
-            <a:endParaRPr sz="1600">
-              <a:solidFill>
-                <a:schemeClr val="dk1"/>
-              </a:solidFill>
-              <a:highlight>
-                <a:srgbClr val="FFFFFF"/>
-              </a:highlight>
-              <a:latin typeface="Courier New"/>
-              <a:ea typeface="Courier New"/>
-              <a:cs typeface="Courier New"/>
-              <a:sym typeface="Courier New"/>
-            </a:endParaRPr>
-          </a:p>
-        </p:txBody>
-      </p:sp>
-      <p:pic>
-        <p:nvPicPr>
-          <p:cNvPr id="102" name="Google Shape;102;g3b783f0365d_0_80"/>
-          <p:cNvPicPr preferRelativeResize="0"/>
-          <p:nvPr/>
-        </p:nvPicPr>
-        <p:blipFill>
-          <a:blip r:embed="rId3">
-            <a:alphaModFix/>
-          </a:blip>
-          <a:stretch>
-            <a:fillRect/>
-          </a:stretch>
-        </p:blipFill>
-        <p:spPr>
-          <a:xfrm>
-            <a:off x="615967" y="4033656"/>
-            <a:ext cx="10696575" cy="2667000"/>
+            <a:off x="0" y="0"/>
+            <a:ext cx="12192001" cy="6843081"/>
           </a:xfrm>
           <a:prstGeom prst="rect">
             <a:avLst/>
@@ -10235,7 +12299,7 @@
   <p:cSld>
     <p:spTree>
       <p:nvGrpSpPr>
-        <p:cNvPr id="107" name="Shape 107"/>
+        <p:cNvPr id="102" name="Shape 102"/>
         <p:cNvGrpSpPr/>
         <p:nvPr/>
       </p:nvGrpSpPr>
@@ -10249,188 +12313,51 @@
       </p:grpSpPr>
       <p:sp>
         <p:nvSpPr>
-          <p:cNvPr id="108" name="Google Shape;108;g3b783f0365d_0_103"/>
+          <p:cNvPr id="103" name="Google Shape;103;g3b6023e473c_0_27"/>
           <p:cNvSpPr txBox="1"/>
-          <p:nvPr/>
+          <p:nvPr>
+            <p:ph idx="12" type="sldNum"/>
+          </p:nvPr>
         </p:nvSpPr>
         <p:spPr>
           <a:xfrm>
-            <a:off x="673138" y="3962597"/>
-            <a:ext cx="10730100" cy="1108200"/>
+            <a:off x="0" y="0"/>
+            <a:ext cx="3000000" cy="3000000"/>
           </a:xfrm>
           <a:prstGeom prst="rect">
             <a:avLst/>
           </a:prstGeom>
-          <a:noFill/>
-          <a:ln>
-            <a:noFill/>
-          </a:ln>
         </p:spPr>
         <p:txBody>
-          <a:bodyPr anchorCtr="0" anchor="t" bIns="91425" lIns="91425" spcFirstLastPara="1" rIns="91425" wrap="square" tIns="91425">
-            <a:spAutoFit/>
+          <a:bodyPr anchorCtr="0" anchor="t" bIns="45700" lIns="91425" spcFirstLastPara="1" rIns="91425" wrap="square" tIns="45700">
+            <a:noAutofit/>
           </a:bodyPr>
           <a:lstStyle/>
           <a:p>
             <a:pPr indent="0" lvl="0" marL="0" rtl="0" algn="l">
-              <a:lnSpc>
-                <a:spcPct val="150000"/>
-              </a:lnSpc>
-              <a:spcBef>
-                <a:spcPts val="0"/>
-              </a:spcBef>
-              <a:spcAft>
-                <a:spcPts val="0"/>
-              </a:spcAft>
+              <a:spcBef>
+                <a:spcPts val="0"/>
+              </a:spcBef>
+              <a:spcAft>
+                <a:spcPts val="0"/>
+              </a:spcAft>
+              <a:buClr>
+                <a:srgbClr val="000000"/>
+              </a:buClr>
+              <a:buFont typeface="Arial"/>
               <a:buNone/>
             </a:pPr>
-            <a:r>
-              <a:rPr b="1" lang="en-US" sz="2400">
-                <a:solidFill>
-                  <a:schemeClr val="dk1"/>
-                </a:solidFill>
-              </a:rPr>
-              <a:t>Data frame </a:t>
-            </a:r>
-            <a:r>
-              <a:rPr lang="en-US" sz="2400">
-                <a:solidFill>
-                  <a:schemeClr val="dk1"/>
-                </a:solidFill>
-              </a:rPr>
-              <a:t>(dataset) trong trường hợp này là </a:t>
-            </a:r>
-            <a:r>
-              <a:rPr b="1" lang="en-US" sz="2400">
-                <a:solidFill>
-                  <a:schemeClr val="dk1"/>
-                </a:solidFill>
-              </a:rPr>
-              <a:t>df</a:t>
-            </a:r>
-            <a:endParaRPr b="1" sz="2400">
-              <a:solidFill>
-                <a:schemeClr val="dk1"/>
-              </a:solidFill>
-            </a:endParaRPr>
-          </a:p>
-          <a:p>
-            <a:pPr indent="0" lvl="0" marL="0" rtl="0" algn="l">
-              <a:lnSpc>
-                <a:spcPct val="150000"/>
-              </a:lnSpc>
-              <a:spcBef>
-                <a:spcPts val="0"/>
-              </a:spcBef>
-              <a:spcAft>
-                <a:spcPts val="0"/>
-              </a:spcAft>
-              <a:buNone/>
-            </a:pPr>
-            <a:r>
-              <a:rPr b="1" lang="en-US" sz="2400">
-                <a:solidFill>
-                  <a:schemeClr val="dk1"/>
-                </a:solidFill>
-              </a:rPr>
-              <a:t>Biến số </a:t>
-            </a:r>
-            <a:r>
-              <a:rPr lang="en-US" sz="2400">
-                <a:solidFill>
-                  <a:schemeClr val="dk1"/>
-                </a:solidFill>
-              </a:rPr>
-              <a:t>(variables): </a:t>
-            </a:r>
-            <a:r>
-              <a:rPr b="1" lang="en-US" sz="2400">
-                <a:solidFill>
-                  <a:schemeClr val="dk1"/>
-                </a:solidFill>
-              </a:rPr>
-              <a:t>cột của df</a:t>
-            </a:r>
-            <a:r>
-              <a:rPr lang="en-US" sz="2400">
-                <a:solidFill>
-                  <a:schemeClr val="dk1"/>
-                </a:solidFill>
-              </a:rPr>
-              <a:t>: </a:t>
-            </a:r>
-            <a:r>
-              <a:rPr lang="en-US" sz="2400">
-                <a:solidFill>
-                  <a:schemeClr val="dk1"/>
-                </a:solidFill>
-              </a:rPr>
-              <a:t>Age, Sex, ChestPainType, Cholesterol, …</a:t>
-            </a:r>
-            <a:endParaRPr sz="2400">
-              <a:solidFill>
-                <a:schemeClr val="dk1"/>
-              </a:solidFill>
-            </a:endParaRPr>
-          </a:p>
-        </p:txBody>
-      </p:sp>
-      <p:sp>
-        <p:nvSpPr>
-          <p:cNvPr id="109" name="Google Shape;109;g3b783f0365d_0_103"/>
-          <p:cNvSpPr txBox="1"/>
-          <p:nvPr/>
-        </p:nvSpPr>
-        <p:spPr>
-          <a:xfrm>
-            <a:off x="3819400" y="5368127"/>
-            <a:ext cx="4437600" cy="977400"/>
-          </a:xfrm>
-          <a:prstGeom prst="rect">
-            <a:avLst/>
-          </a:prstGeom>
-          <a:noFill/>
-          <a:ln>
-            <a:noFill/>
-          </a:ln>
-        </p:spPr>
-        <p:txBody>
-          <a:bodyPr anchorCtr="0" anchor="t" bIns="91425" lIns="91425" spcFirstLastPara="1" rIns="91425" wrap="square" tIns="91425">
-            <a:noAutofit/>
-          </a:bodyPr>
-          <a:lstStyle/>
-          <a:p>
-            <a:pPr indent="0" lvl="0" marL="0" rtl="0" algn="ctr">
-              <a:lnSpc>
-                <a:spcPct val="150000"/>
-              </a:lnSpc>
-              <a:spcBef>
-                <a:spcPts val="0"/>
-              </a:spcBef>
-              <a:spcAft>
-                <a:spcPts val="0"/>
-              </a:spcAft>
-              <a:buNone/>
-            </a:pPr>
-            <a:r>
-              <a:rPr lang="en-US" sz="2400">
-                <a:solidFill>
-                  <a:srgbClr val="DC2626"/>
-                </a:solidFill>
-              </a:rPr>
-              <a:t>df này có bao nhiêu variables? có bao nhiêu samples?</a:t>
-            </a:r>
-            <a:endParaRPr sz="2400">
-              <a:solidFill>
-                <a:srgbClr val="DC2626"/>
-              </a:solidFill>
-            </a:endParaRPr>
+            <a:fld id="{00000000-1234-1234-1234-123412341234}" type="slidenum">
+              <a:rPr lang="en-US"/>
+              <a:t>‹#›</a:t>
+            </a:fld>
+            <a:endParaRPr/>
           </a:p>
         </p:txBody>
       </p:sp>
       <p:pic>
         <p:nvPicPr>
-          <p:cNvPr id="110" name="Google Shape;110;g3b783f0365d_0_103"/>
+          <p:cNvPr id="104" name="Google Shape;104;g3b6023e473c_0_27"/>
           <p:cNvPicPr preferRelativeResize="0"/>
           <p:nvPr/>
         </p:nvPicPr>
@@ -10444,8 +12371,8 @@
         </p:blipFill>
         <p:spPr>
           <a:xfrm>
-            <a:off x="241125" y="365952"/>
-            <a:ext cx="11709751" cy="3474550"/>
+            <a:off x="0" y="0"/>
+            <a:ext cx="12192001" cy="6843081"/>
           </a:xfrm>
           <a:prstGeom prst="rect">
             <a:avLst/>
@@ -10465,6 +12392,285 @@
 </file>
 
 <file path=ppt/theme/theme1.xml><?xml version="1.0" encoding="utf-8"?>
+<a:theme xmlns:a="http://schemas.openxmlformats.org/drawingml/2006/main" xmlns:r="http://schemas.openxmlformats.org/officeDocument/2006/relationships" name="Office Theme">
+  <a:themeElements>
+    <a:clrScheme name="Office">
+      <a:dk1>
+        <a:srgbClr val="000000"/>
+      </a:dk1>
+      <a:lt1>
+        <a:srgbClr val="FFFFFF"/>
+      </a:lt1>
+      <a:dk2>
+        <a:srgbClr val="44546A"/>
+      </a:dk2>
+      <a:lt2>
+        <a:srgbClr val="E7E6E6"/>
+      </a:lt2>
+      <a:accent1>
+        <a:srgbClr val="4472C4"/>
+      </a:accent1>
+      <a:accent2>
+        <a:srgbClr val="ED7D31"/>
+      </a:accent2>
+      <a:accent3>
+        <a:srgbClr val="A5A5A5"/>
+      </a:accent3>
+      <a:accent4>
+        <a:srgbClr val="FFC000"/>
+      </a:accent4>
+      <a:accent5>
+        <a:srgbClr val="5B9BD5"/>
+      </a:accent5>
+      <a:accent6>
+        <a:srgbClr val="70AD47"/>
+      </a:accent6>
+      <a:hlink>
+        <a:srgbClr val="0563C1"/>
+      </a:hlink>
+      <a:folHlink>
+        <a:srgbClr val="954F72"/>
+      </a:folHlink>
+    </a:clrScheme>
+    <a:fontScheme name="Office">
+      <a:majorFont>
+        <a:latin typeface="Arial"/>
+        <a:ea typeface=""/>
+        <a:cs typeface=""/>
+        <a:font script="Jpan" typeface="ＭＳ Ｐゴシック"/>
+        <a:font script="Hang" typeface="맑은 고딕"/>
+        <a:font script="Hans" typeface="宋体"/>
+        <a:font script="Hant" typeface="新細明體"/>
+        <a:font script="Arab" typeface="Times New Roman"/>
+        <a:font script="Hebr" typeface="Times New Roman"/>
+        <a:font script="Thai" typeface="Angsana New"/>
+        <a:font script="Ethi" typeface="Nyala"/>
+        <a:font script="Beng" typeface="Vrinda"/>
+        <a:font script="Gujr" typeface="Shruti"/>
+        <a:font script="Khmr" typeface="MoolBoran"/>
+        <a:font script="Knda" typeface="Tunga"/>
+        <a:font script="Guru" typeface="Raavi"/>
+        <a:font script="Cans" typeface="Euphemia"/>
+        <a:font script="Cher" typeface="Plantagenet Cherokee"/>
+        <a:font script="Yiii" typeface="Microsoft Yi Baiti"/>
+        <a:font script="Tibt" typeface="Microsoft Himalaya"/>
+        <a:font script="Thaa" typeface="MV Boli"/>
+        <a:font script="Deva" typeface="Mangal"/>
+        <a:font script="Telu" typeface="Gautami"/>
+        <a:font script="Taml" typeface="Latha"/>
+        <a:font script="Syrc" typeface="Estrangelo Edessa"/>
+        <a:font script="Orya" typeface="Kalinga"/>
+        <a:font script="Mlym" typeface="Kartika"/>
+        <a:font script="Laoo" typeface="DokChampa"/>
+        <a:font script="Sinh" typeface="Iskoola Pota"/>
+        <a:font script="Mong" typeface="Mongolian Baiti"/>
+        <a:font script="Viet" typeface="Times New Roman"/>
+        <a:font script="Uigh" typeface="Microsoft Uighur"/>
+        <a:font script="Geor" typeface="Sylfaen"/>
+      </a:majorFont>
+      <a:minorFont>
+        <a:latin typeface="Arial"/>
+        <a:ea typeface=""/>
+        <a:cs typeface=""/>
+        <a:font script="Jpan" typeface="ＭＳ Ｐゴシック"/>
+        <a:font script="Hang" typeface="맑은 고딕"/>
+        <a:font script="Hans" typeface="宋体"/>
+        <a:font script="Hant" typeface="新細明體"/>
+        <a:font script="Arab" typeface="Arial"/>
+        <a:font script="Hebr" typeface="Arial"/>
+        <a:font script="Thai" typeface="Cordia New"/>
+        <a:font script="Ethi" typeface="Nyala"/>
+        <a:font script="Beng" typeface="Vrinda"/>
+        <a:font script="Gujr" typeface="Shruti"/>
+        <a:font script="Khmr" typeface="DaunPenh"/>
+        <a:font script="Knda" typeface="Tunga"/>
+        <a:font script="Guru" typeface="Raavi"/>
+        <a:font script="Cans" typeface="Euphemia"/>
+        <a:font script="Cher" typeface="Plantagenet Cherokee"/>
+        <a:font script="Yiii" typeface="Microsoft Yi Baiti"/>
+        <a:font script="Tibt" typeface="Microsoft Himalaya"/>
+        <a:font script="Thaa" typeface="MV Boli"/>
+        <a:font script="Deva" typeface="Mangal"/>
+        <a:font script="Telu" typeface="Gautami"/>
+        <a:font script="Taml" typeface="Latha"/>
+        <a:font script="Syrc" typeface="Estrangelo Edessa"/>
+        <a:font script="Orya" typeface="Kalinga"/>
+        <a:font script="Mlym" typeface="Kartika"/>
+        <a:font script="Laoo" typeface="DokChampa"/>
+        <a:font script="Sinh" typeface="Iskoola Pota"/>
+        <a:font script="Mong" typeface="Mongolian Baiti"/>
+        <a:font script="Viet" typeface="Arial"/>
+        <a:font script="Uigh" typeface="Microsoft Uighur"/>
+        <a:font script="Geor" typeface="Sylfaen"/>
+      </a:minorFont>
+    </a:fontScheme>
+    <a:fmtScheme name="Office">
+      <a:fillStyleLst>
+        <a:solidFill>
+          <a:schemeClr val="phClr"/>
+        </a:solidFill>
+        <a:gradFill rotWithShape="1">
+          <a:gsLst>
+            <a:gs pos="0">
+              <a:schemeClr val="phClr">
+                <a:tint val="50000"/>
+                <a:satMod val="300000"/>
+              </a:schemeClr>
+            </a:gs>
+            <a:gs pos="35000">
+              <a:schemeClr val="phClr">
+                <a:tint val="37000"/>
+                <a:satMod val="300000"/>
+              </a:schemeClr>
+            </a:gs>
+            <a:gs pos="100000">
+              <a:schemeClr val="phClr">
+                <a:tint val="15000"/>
+                <a:satMod val="350000"/>
+              </a:schemeClr>
+            </a:gs>
+          </a:gsLst>
+          <a:lin ang="16200000" scaled="1"/>
+        </a:gradFill>
+        <a:gradFill rotWithShape="1">
+          <a:gsLst>
+            <a:gs pos="0">
+              <a:schemeClr val="phClr">
+                <a:tint val="100000"/>
+                <a:shade val="100000"/>
+                <a:satMod val="130000"/>
+              </a:schemeClr>
+            </a:gs>
+            <a:gs pos="100000">
+              <a:schemeClr val="phClr">
+                <a:tint val="50000"/>
+                <a:shade val="100000"/>
+                <a:satMod val="350000"/>
+              </a:schemeClr>
+            </a:gs>
+          </a:gsLst>
+          <a:lin ang="16200000" scaled="0"/>
+        </a:gradFill>
+      </a:fillStyleLst>
+      <a:lnStyleLst>
+        <a:ln w="9525" cap="flat" cmpd="sng" algn="ctr">
+          <a:solidFill>
+            <a:schemeClr val="phClr">
+              <a:shade val="95000"/>
+              <a:satMod val="105000"/>
+            </a:schemeClr>
+          </a:solidFill>
+          <a:prstDash val="solid"/>
+        </a:ln>
+        <a:ln w="25400" cap="flat" cmpd="sng" algn="ctr">
+          <a:solidFill>
+            <a:schemeClr val="phClr"/>
+          </a:solidFill>
+          <a:prstDash val="solid"/>
+        </a:ln>
+        <a:ln w="38100" cap="flat" cmpd="sng" algn="ctr">
+          <a:solidFill>
+            <a:schemeClr val="phClr"/>
+          </a:solidFill>
+          <a:prstDash val="solid"/>
+        </a:ln>
+      </a:lnStyleLst>
+      <a:effectStyleLst>
+        <a:effectStyle>
+          <a:effectLst>
+            <a:outerShdw blurRad="40000" dist="20000" dir="5400000" rotWithShape="0">
+              <a:srgbClr val="000000">
+                <a:alpha val="38000"/>
+              </a:srgbClr>
+            </a:outerShdw>
+          </a:effectLst>
+        </a:effectStyle>
+        <a:effectStyle>
+          <a:effectLst>
+            <a:outerShdw blurRad="40000" dist="23000" dir="5400000" rotWithShape="0">
+              <a:srgbClr val="000000">
+                <a:alpha val="35000"/>
+              </a:srgbClr>
+            </a:outerShdw>
+          </a:effectLst>
+        </a:effectStyle>
+        <a:effectStyle>
+          <a:effectLst>
+            <a:outerShdw blurRad="40000" dist="23000" dir="5400000" rotWithShape="0">
+              <a:srgbClr val="000000">
+                <a:alpha val="35000"/>
+              </a:srgbClr>
+            </a:outerShdw>
+          </a:effectLst>
+          <a:scene3d>
+            <a:camera prst="orthographicFront">
+              <a:rot lat="0" lon="0" rev="0"/>
+            </a:camera>
+            <a:lightRig rig="threePt" dir="t">
+              <a:rot lat="0" lon="0" rev="1200000"/>
+            </a:lightRig>
+          </a:scene3d>
+          <a:sp3d>
+            <a:bevelT w="63500" h="25400"/>
+          </a:sp3d>
+        </a:effectStyle>
+      </a:effectStyleLst>
+      <a:bgFillStyleLst>
+        <a:solidFill>
+          <a:schemeClr val="phClr"/>
+        </a:solidFill>
+        <a:gradFill rotWithShape="1">
+          <a:gsLst>
+            <a:gs pos="0">
+              <a:schemeClr val="phClr">
+                <a:tint val="40000"/>
+                <a:satMod val="350000"/>
+              </a:schemeClr>
+            </a:gs>
+            <a:gs pos="40000">
+              <a:schemeClr val="phClr">
+                <a:tint val="45000"/>
+                <a:shade val="99000"/>
+                <a:satMod val="350000"/>
+              </a:schemeClr>
+            </a:gs>
+            <a:gs pos="100000">
+              <a:schemeClr val="phClr">
+                <a:shade val="20000"/>
+                <a:satMod val="255000"/>
+              </a:schemeClr>
+            </a:gs>
+          </a:gsLst>
+          <a:path path="circle">
+            <a:fillToRect l="50000" t="-80000" r="50000" b="180000"/>
+          </a:path>
+        </a:gradFill>
+        <a:gradFill rotWithShape="1">
+          <a:gsLst>
+            <a:gs pos="0">
+              <a:schemeClr val="phClr">
+                <a:tint val="80000"/>
+                <a:satMod val="300000"/>
+              </a:schemeClr>
+            </a:gs>
+            <a:gs pos="100000">
+              <a:schemeClr val="phClr">
+                <a:shade val="30000"/>
+                <a:satMod val="200000"/>
+              </a:schemeClr>
+            </a:gs>
+          </a:gsLst>
+          <a:path path="circle">
+            <a:fillToRect l="50000" t="50000" r="50000" b="50000"/>
+          </a:path>
+        </a:gradFill>
+      </a:bgFillStyleLst>
+    </a:fmtScheme>
+  </a:themeElements>
+</a:theme>
+</file>
+
+<file path=ppt/theme/theme2.xml><?xml version="1.0" encoding="utf-8"?>
 <a:theme xmlns:a="http://schemas.openxmlformats.org/drawingml/2006/main" xmlns:r="http://schemas.openxmlformats.org/officeDocument/2006/relationships" name="Cover and End Slide Master">
   <a:themeElements>
     <a:clrScheme name="2019-Medical">
@@ -10741,283 +12947,4 @@
     </a:fmtScheme>
   </a:themeElements>
 </a:theme>
-</file>
-
-<file path=ppt/theme/theme2.xml><?xml version="1.0" encoding="utf-8"?>
-<a:theme xmlns:a="http://schemas.openxmlformats.org/drawingml/2006/main" xmlns:r="http://schemas.openxmlformats.org/officeDocument/2006/relationships" name="Office Theme">
-  <a:themeElements>
-    <a:clrScheme name="Office">
-      <a:dk1>
-        <a:srgbClr val="000000"/>
-      </a:dk1>
-      <a:lt1>
-        <a:srgbClr val="FFFFFF"/>
-      </a:lt1>
-      <a:dk2>
-        <a:srgbClr val="44546A"/>
-      </a:dk2>
-      <a:lt2>
-        <a:srgbClr val="E7E6E6"/>
-      </a:lt2>
-      <a:accent1>
-        <a:srgbClr val="4472C4"/>
-      </a:accent1>
-      <a:accent2>
-        <a:srgbClr val="ED7D31"/>
-      </a:accent2>
-      <a:accent3>
-        <a:srgbClr val="A5A5A5"/>
-      </a:accent3>
-      <a:accent4>
-        <a:srgbClr val="FFC000"/>
-      </a:accent4>
-      <a:accent5>
-        <a:srgbClr val="5B9BD5"/>
-      </a:accent5>
-      <a:accent6>
-        <a:srgbClr val="70AD47"/>
-      </a:accent6>
-      <a:hlink>
-        <a:srgbClr val="0563C1"/>
-      </a:hlink>
-      <a:folHlink>
-        <a:srgbClr val="954F72"/>
-      </a:folHlink>
-    </a:clrScheme>
-    <a:fontScheme name="Office">
-      <a:majorFont>
-        <a:latin typeface="Arial"/>
-        <a:ea typeface=""/>
-        <a:cs typeface=""/>
-        <a:font script="Jpan" typeface="ＭＳ Ｐゴシック"/>
-        <a:font script="Hang" typeface="맑은 고딕"/>
-        <a:font script="Hans" typeface="宋体"/>
-        <a:font script="Hant" typeface="新細明體"/>
-        <a:font script="Arab" typeface="Times New Roman"/>
-        <a:font script="Hebr" typeface="Times New Roman"/>
-        <a:font script="Thai" typeface="Angsana New"/>
-        <a:font script="Ethi" typeface="Nyala"/>
-        <a:font script="Beng" typeface="Vrinda"/>
-        <a:font script="Gujr" typeface="Shruti"/>
-        <a:font script="Khmr" typeface="MoolBoran"/>
-        <a:font script="Knda" typeface="Tunga"/>
-        <a:font script="Guru" typeface="Raavi"/>
-        <a:font script="Cans" typeface="Euphemia"/>
-        <a:font script="Cher" typeface="Plantagenet Cherokee"/>
-        <a:font script="Yiii" typeface="Microsoft Yi Baiti"/>
-        <a:font script="Tibt" typeface="Microsoft Himalaya"/>
-        <a:font script="Thaa" typeface="MV Boli"/>
-        <a:font script="Deva" typeface="Mangal"/>
-        <a:font script="Telu" typeface="Gautami"/>
-        <a:font script="Taml" typeface="Latha"/>
-        <a:font script="Syrc" typeface="Estrangelo Edessa"/>
-        <a:font script="Orya" typeface="Kalinga"/>
-        <a:font script="Mlym" typeface="Kartika"/>
-        <a:font script="Laoo" typeface="DokChampa"/>
-        <a:font script="Sinh" typeface="Iskoola Pota"/>
-        <a:font script="Mong" typeface="Mongolian Baiti"/>
-        <a:font script="Viet" typeface="Times New Roman"/>
-        <a:font script="Uigh" typeface="Microsoft Uighur"/>
-        <a:font script="Geor" typeface="Sylfaen"/>
-      </a:majorFont>
-      <a:minorFont>
-        <a:latin typeface="Arial"/>
-        <a:ea typeface=""/>
-        <a:cs typeface=""/>
-        <a:font script="Jpan" typeface="ＭＳ Ｐゴシック"/>
-        <a:font script="Hang" typeface="맑은 고딕"/>
-        <a:font script="Hans" typeface="宋体"/>
-        <a:font script="Hant" typeface="新細明體"/>
-        <a:font script="Arab" typeface="Arial"/>
-        <a:font script="Hebr" typeface="Arial"/>
-        <a:font script="Thai" typeface="Cordia New"/>
-        <a:font script="Ethi" typeface="Nyala"/>
-        <a:font script="Beng" typeface="Vrinda"/>
-        <a:font script="Gujr" typeface="Shruti"/>
-        <a:font script="Khmr" typeface="DaunPenh"/>
-        <a:font script="Knda" typeface="Tunga"/>
-        <a:font script="Guru" typeface="Raavi"/>
-        <a:font script="Cans" typeface="Euphemia"/>
-        <a:font script="Cher" typeface="Plantagenet Cherokee"/>
-        <a:font script="Yiii" typeface="Microsoft Yi Baiti"/>
-        <a:font script="Tibt" typeface="Microsoft Himalaya"/>
-        <a:font script="Thaa" typeface="MV Boli"/>
-        <a:font script="Deva" typeface="Mangal"/>
-        <a:font script="Telu" typeface="Gautami"/>
-        <a:font script="Taml" typeface="Latha"/>
-        <a:font script="Syrc" typeface="Estrangelo Edessa"/>
-        <a:font script="Orya" typeface="Kalinga"/>
-        <a:font script="Mlym" typeface="Kartika"/>
-        <a:font script="Laoo" typeface="DokChampa"/>
-        <a:font script="Sinh" typeface="Iskoola Pota"/>
-        <a:font script="Mong" typeface="Mongolian Baiti"/>
-        <a:font script="Viet" typeface="Arial"/>
-        <a:font script="Uigh" typeface="Microsoft Uighur"/>
-        <a:font script="Geor" typeface="Sylfaen"/>
-      </a:minorFont>
-    </a:fontScheme>
-    <a:fmtScheme name="Office">
-      <a:fillStyleLst>
-        <a:solidFill>
-          <a:schemeClr val="phClr"/>
-        </a:solidFill>
-        <a:gradFill rotWithShape="1">
-          <a:gsLst>
-            <a:gs pos="0">
-              <a:schemeClr val="phClr">
-                <a:tint val="50000"/>
-                <a:satMod val="300000"/>
-              </a:schemeClr>
-            </a:gs>
-            <a:gs pos="35000">
-              <a:schemeClr val="phClr">
-                <a:tint val="37000"/>
-                <a:satMod val="300000"/>
-              </a:schemeClr>
-            </a:gs>
-            <a:gs pos="100000">
-              <a:schemeClr val="phClr">
-                <a:tint val="15000"/>
-                <a:satMod val="350000"/>
-              </a:schemeClr>
-            </a:gs>
-          </a:gsLst>
-          <a:lin ang="16200000" scaled="1"/>
-        </a:gradFill>
-        <a:gradFill rotWithShape="1">
-          <a:gsLst>
-            <a:gs pos="0">
-              <a:schemeClr val="phClr">
-                <a:tint val="100000"/>
-                <a:shade val="100000"/>
-                <a:satMod val="130000"/>
-              </a:schemeClr>
-            </a:gs>
-            <a:gs pos="100000">
-              <a:schemeClr val="phClr">
-                <a:tint val="50000"/>
-                <a:shade val="100000"/>
-                <a:satMod val="350000"/>
-              </a:schemeClr>
-            </a:gs>
-          </a:gsLst>
-          <a:lin ang="16200000" scaled="0"/>
-        </a:gradFill>
-      </a:fillStyleLst>
-      <a:lnStyleLst>
-        <a:ln w="9525" cap="flat" cmpd="sng" algn="ctr">
-          <a:solidFill>
-            <a:schemeClr val="phClr">
-              <a:shade val="95000"/>
-              <a:satMod val="105000"/>
-            </a:schemeClr>
-          </a:solidFill>
-          <a:prstDash val="solid"/>
-        </a:ln>
-        <a:ln w="25400" cap="flat" cmpd="sng" algn="ctr">
-          <a:solidFill>
-            <a:schemeClr val="phClr"/>
-          </a:solidFill>
-          <a:prstDash val="solid"/>
-        </a:ln>
-        <a:ln w="38100" cap="flat" cmpd="sng" algn="ctr">
-          <a:solidFill>
-            <a:schemeClr val="phClr"/>
-          </a:solidFill>
-          <a:prstDash val="solid"/>
-        </a:ln>
-      </a:lnStyleLst>
-      <a:effectStyleLst>
-        <a:effectStyle>
-          <a:effectLst>
-            <a:outerShdw blurRad="40000" dist="20000" dir="5400000" rotWithShape="0">
-              <a:srgbClr val="000000">
-                <a:alpha val="38000"/>
-              </a:srgbClr>
-            </a:outerShdw>
-          </a:effectLst>
-        </a:effectStyle>
-        <a:effectStyle>
-          <a:effectLst>
-            <a:outerShdw blurRad="40000" dist="23000" dir="5400000" rotWithShape="0">
-              <a:srgbClr val="000000">
-                <a:alpha val="35000"/>
-              </a:srgbClr>
-            </a:outerShdw>
-          </a:effectLst>
-        </a:effectStyle>
-        <a:effectStyle>
-          <a:effectLst>
-            <a:outerShdw blurRad="40000" dist="23000" dir="5400000" rotWithShape="0">
-              <a:srgbClr val="000000">
-                <a:alpha val="35000"/>
-              </a:srgbClr>
-            </a:outerShdw>
-          </a:effectLst>
-          <a:scene3d>
-            <a:camera prst="orthographicFront">
-              <a:rot lat="0" lon="0" rev="0"/>
-            </a:camera>
-            <a:lightRig rig="threePt" dir="t">
-              <a:rot lat="0" lon="0" rev="1200000"/>
-            </a:lightRig>
-          </a:scene3d>
-          <a:sp3d>
-            <a:bevelT w="63500" h="25400"/>
-          </a:sp3d>
-        </a:effectStyle>
-      </a:effectStyleLst>
-      <a:bgFillStyleLst>
-        <a:solidFill>
-          <a:schemeClr val="phClr"/>
-        </a:solidFill>
-        <a:gradFill rotWithShape="1">
-          <a:gsLst>
-            <a:gs pos="0">
-              <a:schemeClr val="phClr">
-                <a:tint val="40000"/>
-                <a:satMod val="350000"/>
-              </a:schemeClr>
-            </a:gs>
-            <a:gs pos="40000">
-              <a:schemeClr val="phClr">
-                <a:tint val="45000"/>
-                <a:shade val="99000"/>
-                <a:satMod val="350000"/>
-              </a:schemeClr>
-            </a:gs>
-            <a:gs pos="100000">
-              <a:schemeClr val="phClr">
-                <a:shade val="20000"/>
-                <a:satMod val="255000"/>
-              </a:schemeClr>
-            </a:gs>
-          </a:gsLst>
-          <a:path path="circle">
-            <a:fillToRect l="50000" t="-80000" r="50000" b="180000"/>
-          </a:path>
-        </a:gradFill>
-        <a:gradFill rotWithShape="1">
-          <a:gsLst>
-            <a:gs pos="0">
-              <a:schemeClr val="phClr">
-                <a:tint val="80000"/>
-                <a:satMod val="300000"/>
-              </a:schemeClr>
-            </a:gs>
-            <a:gs pos="100000">
-              <a:schemeClr val="phClr">
-                <a:shade val="30000"/>
-                <a:satMod val="200000"/>
-              </a:schemeClr>
-            </a:gs>
-          </a:gsLst>
-          <a:path path="circle">
-            <a:fillToRect l="50000" t="50000" r="50000" b="50000"/>
-          </a:path>
-        </a:gradFill>
-      </a:bgFillStyleLst>
-    </a:fmtScheme>
-  </a:themeElements>
-</a:theme>
 </file>